--- a/Network Engineer. Basic/Проектная работа/Presentation.pptx
+++ b/Network Engineer. Basic/Проектная работа/Presentation.pptx
@@ -10946,7 +10946,7 @@
           </a:bodyPr>
           <a:lstStyle/>
           <a:p>
-            <a:pPr marL="139700" lvl="0" algn="l" rtl="0">
+            <a:pPr marL="482600" lvl="0" indent="-342900" algn="l" rtl="0">
               <a:lnSpc>
                 <a:spcPct val="90000"/>
               </a:lnSpc>
@@ -10960,7 +10960,125 @@
                 <a:srgbClr val="000000"/>
               </a:buClr>
               <a:buSzPts val="1400"/>
+              <a:buAutoNum type="arabicPeriod"/>
             </a:pPr>
+            <a:r>
+              <a:rPr lang="ru-RU" dirty="0">
+                <a:solidFill>
+                  <a:srgbClr val="000000"/>
+                </a:solidFill>
+                <a:latin typeface="Roboto"/>
+                <a:ea typeface="Roboto"/>
+                <a:cs typeface="Roboto"/>
+                <a:sym typeface="Roboto"/>
+              </a:rPr>
+              <a:t>В силу ограничений </a:t>
+            </a:r>
+            <a:r>
+              <a:rPr lang="en-US" dirty="0">
+                <a:solidFill>
+                  <a:srgbClr val="000000"/>
+                </a:solidFill>
+                <a:latin typeface="Roboto"/>
+                <a:ea typeface="Roboto"/>
+                <a:cs typeface="Roboto"/>
+                <a:sym typeface="Roboto"/>
+              </a:rPr>
+              <a:t>CPT </a:t>
+            </a:r>
+            <a:r>
+              <a:rPr lang="ru-RU" dirty="0">
+                <a:solidFill>
+                  <a:srgbClr val="000000"/>
+                </a:solidFill>
+                <a:latin typeface="Roboto"/>
+                <a:ea typeface="Roboto"/>
+                <a:cs typeface="Roboto"/>
+                <a:sym typeface="Roboto"/>
+              </a:rPr>
+              <a:t>не удалось реализовать балансировку нагрузки на операторов связи. Решение остановлено лишь на резервировании.</a:t>
+            </a:r>
+          </a:p>
+          <a:p>
+            <a:pPr marL="482600" lvl="0" indent="-342900" algn="l" rtl="0">
+              <a:lnSpc>
+                <a:spcPct val="90000"/>
+              </a:lnSpc>
+              <a:spcBef>
+                <a:spcPts val="0"/>
+              </a:spcBef>
+              <a:spcAft>
+                <a:spcPts val="0"/>
+              </a:spcAft>
+              <a:buClr>
+                <a:srgbClr val="000000"/>
+              </a:buClr>
+              <a:buSzPts val="1400"/>
+              <a:buAutoNum type="arabicPeriod"/>
+            </a:pPr>
+            <a:r>
+              <a:rPr lang="ru-RU" dirty="0">
+                <a:latin typeface="Roboto"/>
+                <a:ea typeface="Roboto"/>
+                <a:cs typeface="Roboto"/>
+                <a:sym typeface="Roboto"/>
+              </a:rPr>
+              <a:t>Не удалось на 1 доменное имя назначить несколько </a:t>
+            </a:r>
+            <a:r>
+              <a:rPr lang="en-US" dirty="0">
+                <a:latin typeface="Roboto"/>
+                <a:ea typeface="Roboto"/>
+                <a:cs typeface="Roboto"/>
+                <a:sym typeface="Roboto"/>
+              </a:rPr>
+              <a:t>IP </a:t>
+            </a:r>
+            <a:r>
+              <a:rPr lang="ru-RU" dirty="0">
+                <a:latin typeface="Roboto"/>
+                <a:ea typeface="Roboto"/>
+                <a:cs typeface="Roboto"/>
+                <a:sym typeface="Roboto"/>
+              </a:rPr>
+              <a:t>адресов, поэтому доступность внутреннего </a:t>
+            </a:r>
+            <a:r>
+              <a:rPr lang="en-US" dirty="0">
+                <a:latin typeface="Roboto"/>
+                <a:ea typeface="Roboto"/>
+                <a:cs typeface="Roboto"/>
+                <a:sym typeface="Roboto"/>
+              </a:rPr>
+              <a:t>WEB </a:t>
+            </a:r>
+            <a:r>
+              <a:rPr lang="ru-RU" dirty="0">
+                <a:latin typeface="Roboto"/>
+                <a:ea typeface="Roboto"/>
+                <a:cs typeface="Roboto"/>
+                <a:sym typeface="Roboto"/>
+              </a:rPr>
+              <a:t>сервера через разных провайдеров осуществлена через разные доменные имена на </a:t>
+            </a:r>
+            <a:r>
+              <a:rPr lang="en-US" dirty="0">
+                <a:latin typeface="Roboto"/>
+                <a:ea typeface="Roboto"/>
+                <a:cs typeface="Roboto"/>
+                <a:sym typeface="Roboto"/>
+              </a:rPr>
+              <a:t>DNS </a:t>
+            </a:r>
+            <a:r>
+              <a:rPr lang="ru-RU" dirty="0">
+                <a:latin typeface="Roboto"/>
+                <a:ea typeface="Roboto"/>
+                <a:cs typeface="Roboto"/>
+                <a:sym typeface="Roboto"/>
+              </a:rPr>
+              <a:t>сервере</a:t>
+            </a:r>
             <a:endParaRPr dirty="0">
               <a:solidFill>
                 <a:srgbClr val="000000"/>
@@ -11055,7 +11173,7 @@
         <p:spPr>
           <a:xfrm>
             <a:off x="626076" y="1408670"/>
-            <a:ext cx="4108817" cy="1169551"/>
+            <a:ext cx="5179623" cy="1384995"/>
           </a:xfrm>
           <a:prstGeom prst="rect">
             <a:avLst/>
@@ -11088,6 +11206,15 @@
             <a:r>
               <a:rPr lang="ru-RU" dirty="0"/>
               <a:t>телефонии</a:t>
+            </a:r>
+          </a:p>
+          <a:p>
+            <a:pPr marL="342900" indent="-342900">
+              <a:buAutoNum type="arabicPeriod"/>
+            </a:pPr>
+            <a:r>
+              <a:rPr lang="ru-RU" dirty="0"/>
+              <a:t>Настройка балансировки нагрузки на операторов связи</a:t>
             </a:r>
           </a:p>
           <a:p>

--- a/Network Engineer. Basic/Проектная работа/Presentation.pptx
+++ b/Network Engineer. Basic/Проектная работа/Presentation.pptx
@@ -5,41 +5,40 @@
     <p:sldMasterId id="2147483662" r:id="rId1"/>
   </p:sldMasterIdLst>
   <p:notesMasterIdLst>
-    <p:notesMasterId r:id="rId24"/>
+    <p:notesMasterId r:id="rId23"/>
   </p:notesMasterIdLst>
   <p:sldIdLst>
     <p:sldId id="256" r:id="rId2"/>
-    <p:sldId id="257" r:id="rId3"/>
-    <p:sldId id="258" r:id="rId4"/>
-    <p:sldId id="260" r:id="rId5"/>
-    <p:sldId id="261" r:id="rId6"/>
-    <p:sldId id="274" r:id="rId7"/>
-    <p:sldId id="276" r:id="rId8"/>
-    <p:sldId id="275" r:id="rId9"/>
-    <p:sldId id="262" r:id="rId10"/>
-    <p:sldId id="277" r:id="rId11"/>
-    <p:sldId id="278" r:id="rId12"/>
-    <p:sldId id="279" r:id="rId13"/>
-    <p:sldId id="280" r:id="rId14"/>
-    <p:sldId id="281" r:id="rId15"/>
-    <p:sldId id="282" r:id="rId16"/>
-    <p:sldId id="283" r:id="rId17"/>
-    <p:sldId id="284" r:id="rId18"/>
-    <p:sldId id="285" r:id="rId19"/>
-    <p:sldId id="286" r:id="rId20"/>
-    <p:sldId id="263" r:id="rId21"/>
-    <p:sldId id="264" r:id="rId22"/>
-    <p:sldId id="266" r:id="rId23"/>
+    <p:sldId id="258" r:id="rId3"/>
+    <p:sldId id="260" r:id="rId4"/>
+    <p:sldId id="261" r:id="rId5"/>
+    <p:sldId id="274" r:id="rId6"/>
+    <p:sldId id="276" r:id="rId7"/>
+    <p:sldId id="275" r:id="rId8"/>
+    <p:sldId id="262" r:id="rId9"/>
+    <p:sldId id="277" r:id="rId10"/>
+    <p:sldId id="278" r:id="rId11"/>
+    <p:sldId id="279" r:id="rId12"/>
+    <p:sldId id="280" r:id="rId13"/>
+    <p:sldId id="281" r:id="rId14"/>
+    <p:sldId id="282" r:id="rId15"/>
+    <p:sldId id="283" r:id="rId16"/>
+    <p:sldId id="284" r:id="rId17"/>
+    <p:sldId id="285" r:id="rId18"/>
+    <p:sldId id="286" r:id="rId19"/>
+    <p:sldId id="263" r:id="rId20"/>
+    <p:sldId id="264" r:id="rId21"/>
+    <p:sldId id="266" r:id="rId22"/>
   </p:sldIdLst>
   <p:sldSz cx="9144000" cy="5143500" type="screen16x9"/>
   <p:notesSz cx="6858000" cy="9144000"/>
   <p:embeddedFontLst>
     <p:embeddedFont>
       <p:font typeface="Roboto" panose="02000000000000000000" pitchFamily="2" charset="0"/>
-      <p:regular r:id="rId25"/>
-      <p:bold r:id="rId26"/>
-      <p:italic r:id="rId27"/>
-      <p:boldItalic r:id="rId28"/>
+      <p:regular r:id="rId24"/>
+      <p:bold r:id="rId25"/>
+      <p:italic r:id="rId26"/>
+      <p:boldItalic r:id="rId27"/>
     </p:embeddedFont>
   </p:embeddedFontLst>
   <p:defaultTextStyle>
@@ -277,7 +276,6 @@
         <p14:section name="Раздел по умолчанию" id="{B1ABE380-64BF-49E1-AEF6-A008E37F372D}">
           <p14:sldIdLst>
             <p14:sldId id="256"/>
-            <p14:sldId id="257"/>
             <p14:sldId id="258"/>
             <p14:sldId id="260"/>
             <p14:sldId id="261"/>
@@ -875,110 +873,6 @@
   <p:cSld>
     <p:spTree>
       <p:nvGrpSpPr>
-        <p:cNvPr id="1" name="Shape 71"/>
-        <p:cNvGrpSpPr/>
-        <p:nvPr/>
-      </p:nvGrpSpPr>
-      <p:grpSpPr>
-        <a:xfrm>
-          <a:off x="0" y="0"/>
-          <a:ext cx="0" cy="0"/>
-          <a:chOff x="0" y="0"/>
-          <a:chExt cx="0" cy="0"/>
-        </a:xfrm>
-      </p:grpSpPr>
-      <p:sp>
-        <p:nvSpPr>
-          <p:cNvPr id="72" name="Google Shape;72;gde823becd0_0_0:notes"/>
-          <p:cNvSpPr>
-            <a:spLocks noGrp="1" noRot="1" noChangeAspect="1"/>
-          </p:cNvSpPr>
-          <p:nvPr>
-            <p:ph type="sldImg" idx="2"/>
-          </p:nvPr>
-        </p:nvSpPr>
-        <p:spPr>
-          <a:xfrm>
-            <a:off x="381000" y="685800"/>
-            <a:ext cx="6096000" cy="3429000"/>
-          </a:xfrm>
-          <a:custGeom>
-            <a:avLst/>
-            <a:gdLst/>
-            <a:ahLst/>
-            <a:cxnLst/>
-            <a:rect l="l" t="t" r="r" b="b"/>
-            <a:pathLst>
-              <a:path w="120000" h="120000" extrusionOk="0">
-                <a:moveTo>
-                  <a:pt x="0" y="0"/>
-                </a:moveTo>
-                <a:lnTo>
-                  <a:pt x="120000" y="0"/>
-                </a:lnTo>
-                <a:lnTo>
-                  <a:pt x="120000" y="120000"/>
-                </a:lnTo>
-                <a:lnTo>
-                  <a:pt x="0" y="120000"/>
-                </a:lnTo>
-                <a:close/>
-              </a:path>
-            </a:pathLst>
-          </a:custGeom>
-        </p:spPr>
-      </p:sp>
-      <p:sp>
-        <p:nvSpPr>
-          <p:cNvPr id="73" name="Google Shape;73;gde823becd0_0_0:notes"/>
-          <p:cNvSpPr txBox="1">
-            <a:spLocks noGrp="1"/>
-          </p:cNvSpPr>
-          <p:nvPr>
-            <p:ph type="body" idx="1"/>
-          </p:nvPr>
-        </p:nvSpPr>
-        <p:spPr>
-          <a:xfrm>
-            <a:off x="685800" y="4343400"/>
-            <a:ext cx="5486400" cy="4114800"/>
-          </a:xfrm>
-          <a:prstGeom prst="rect">
-            <a:avLst/>
-          </a:prstGeom>
-        </p:spPr>
-        <p:txBody>
-          <a:bodyPr spcFirstLastPara="1" wrap="square" lIns="91425" tIns="91425" rIns="91425" bIns="91425" anchor="t" anchorCtr="0">
-            <a:noAutofit/>
-          </a:bodyPr>
-          <a:lstStyle/>
-          <a:p>
-            <a:pPr marL="0" lvl="0" indent="0" algn="l" rtl="0">
-              <a:spcBef>
-                <a:spcPts val="0"/>
-              </a:spcBef>
-              <a:spcAft>
-                <a:spcPts val="0"/>
-              </a:spcAft>
-              <a:buNone/>
-            </a:pPr>
-            <a:endParaRPr/>
-          </a:p>
-        </p:txBody>
-      </p:sp>
-    </p:spTree>
-  </p:cSld>
-  <p:clrMapOvr>
-    <a:masterClrMapping/>
-  </p:clrMapOvr>
-</p:notes>
-</file>
-
-<file path=ppt/notesSlides/notesSlide3.xml><?xml version="1.0" encoding="utf-8"?>
-<p:notes xmlns:a="http://schemas.openxmlformats.org/drawingml/2006/main" xmlns:r="http://schemas.openxmlformats.org/officeDocument/2006/relationships" xmlns:p="http://schemas.openxmlformats.org/presentationml/2006/main" showMasterSp="0" showMasterPhAnim="0">
-  <p:cSld>
-    <p:spTree>
-      <p:nvGrpSpPr>
         <p:cNvPr id="1" name="Shape 78"/>
         <p:cNvGrpSpPr/>
         <p:nvPr/>
@@ -1078,7 +972,7 @@
 </p:notes>
 </file>
 
-<file path=ppt/notesSlides/notesSlide4.xml><?xml version="1.0" encoding="utf-8"?>
+<file path=ppt/notesSlides/notesSlide3.xml><?xml version="1.0" encoding="utf-8"?>
 <p:notes xmlns:a="http://schemas.openxmlformats.org/drawingml/2006/main" xmlns:r="http://schemas.openxmlformats.org/officeDocument/2006/relationships" xmlns:p="http://schemas.openxmlformats.org/presentationml/2006/main" showMasterSp="0" showMasterPhAnim="0">
   <p:cSld>
     <p:spTree>
@@ -1182,7 +1076,7 @@
 </p:notes>
 </file>
 
-<file path=ppt/notesSlides/notesSlide5.xml><?xml version="1.0" encoding="utf-8"?>
+<file path=ppt/notesSlides/notesSlide4.xml><?xml version="1.0" encoding="utf-8"?>
 <p:notes xmlns:a="http://schemas.openxmlformats.org/drawingml/2006/main" xmlns:r="http://schemas.openxmlformats.org/officeDocument/2006/relationships" xmlns:p="http://schemas.openxmlformats.org/presentationml/2006/main" showMasterSp="0" showMasterPhAnim="0">
   <p:cSld>
     <p:spTree>
@@ -1286,7 +1180,7 @@
 </p:notes>
 </file>
 
-<file path=ppt/notesSlides/notesSlide6.xml><?xml version="1.0" encoding="utf-8"?>
+<file path=ppt/notesSlides/notesSlide5.xml><?xml version="1.0" encoding="utf-8"?>
 <p:notes xmlns:a="http://schemas.openxmlformats.org/drawingml/2006/main" xmlns:r="http://schemas.openxmlformats.org/officeDocument/2006/relationships" xmlns:p="http://schemas.openxmlformats.org/presentationml/2006/main" showMasterSp="0" showMasterPhAnim="0">
   <p:cSld>
     <p:spTree>
@@ -1390,7 +1284,7 @@
 </p:notes>
 </file>
 
-<file path=ppt/notesSlides/notesSlide7.xml><?xml version="1.0" encoding="utf-8"?>
+<file path=ppt/notesSlides/notesSlide6.xml><?xml version="1.0" encoding="utf-8"?>
 <p:notes xmlns:a="http://schemas.openxmlformats.org/drawingml/2006/main" xmlns:r="http://schemas.openxmlformats.org/officeDocument/2006/relationships" xmlns:p="http://schemas.openxmlformats.org/presentationml/2006/main" showMasterSp="0" showMasterPhAnim="0">
   <p:cSld>
     <p:spTree>
@@ -1494,7 +1388,7 @@
 </p:notes>
 </file>
 
-<file path=ppt/notesSlides/notesSlide8.xml><?xml version="1.0" encoding="utf-8"?>
+<file path=ppt/notesSlides/notesSlide7.xml><?xml version="1.0" encoding="utf-8"?>
 <p:notes xmlns:a="http://schemas.openxmlformats.org/drawingml/2006/main" xmlns:r="http://schemas.openxmlformats.org/officeDocument/2006/relationships" xmlns:p="http://schemas.openxmlformats.org/presentationml/2006/main" showMasterSp="0" showMasterPhAnim="0">
   <p:cSld>
     <p:spTree>
@@ -1598,7 +1492,7 @@
 </p:notes>
 </file>
 
-<file path=ppt/notesSlides/notesSlide9.xml><?xml version="1.0" encoding="utf-8"?>
+<file path=ppt/notesSlides/notesSlide8.xml><?xml version="1.0" encoding="utf-8"?>
 <p:notes xmlns:a="http://schemas.openxmlformats.org/drawingml/2006/main" xmlns:r="http://schemas.openxmlformats.org/officeDocument/2006/relationships" xmlns:p="http://schemas.openxmlformats.org/presentationml/2006/main" showMasterSp="0" showMasterPhAnim="0">
   <p:cSld>
     <p:spTree>
@@ -2081,362 +1975,6 @@
 </file>
 
 <file path=ppt/slideLayouts/slideLayout10.xml><?xml version="1.0" encoding="utf-8"?>
-<p:sldLayout xmlns:a="http://schemas.openxmlformats.org/drawingml/2006/main" xmlns:r="http://schemas.openxmlformats.org/officeDocument/2006/relationships" xmlns:p="http://schemas.openxmlformats.org/presentationml/2006/main" matchingName="Слайд с кодом 1">
-  <p:cSld name="CUSTOM_2">
-    <p:spTree>
-      <p:nvGrpSpPr>
-        <p:cNvPr id="1" name="Shape 47"/>
-        <p:cNvGrpSpPr/>
-        <p:nvPr/>
-      </p:nvGrpSpPr>
-      <p:grpSpPr>
-        <a:xfrm>
-          <a:off x="0" y="0"/>
-          <a:ext cx="0" cy="0"/>
-          <a:chOff x="0" y="0"/>
-          <a:chExt cx="0" cy="0"/>
-        </a:xfrm>
-      </p:grpSpPr>
-      <p:sp>
-        <p:nvSpPr>
-          <p:cNvPr id="48" name="Google Shape;48;p12"/>
-          <p:cNvSpPr txBox="1">
-            <a:spLocks noGrp="1"/>
-          </p:cNvSpPr>
-          <p:nvPr>
-            <p:ph type="title"/>
-          </p:nvPr>
-        </p:nvSpPr>
-        <p:spPr>
-          <a:xfrm>
-            <a:off x="500550" y="330724"/>
-            <a:ext cx="8520600" cy="1095900"/>
-          </a:xfrm>
-          <a:prstGeom prst="rect">
-            <a:avLst/>
-          </a:prstGeom>
-        </p:spPr>
-        <p:txBody>
-          <a:bodyPr spcFirstLastPara="1" wrap="square" lIns="91425" tIns="91425" rIns="91425" bIns="91425" anchor="t" anchorCtr="0">
-            <a:noAutofit/>
-          </a:bodyPr>
-          <a:lstStyle>
-            <a:lvl1pPr lvl="0">
-              <a:spcBef>
-                <a:spcPts val="0"/>
-              </a:spcBef>
-              <a:spcAft>
-                <a:spcPts val="0"/>
-              </a:spcAft>
-              <a:buSzPts val="3100"/>
-              <a:buNone/>
-              <a:defRPr/>
-            </a:lvl1pPr>
-            <a:lvl2pPr lvl="1">
-              <a:spcBef>
-                <a:spcPts val="0"/>
-              </a:spcBef>
-              <a:spcAft>
-                <a:spcPts val="0"/>
-              </a:spcAft>
-              <a:buSzPts val="2800"/>
-              <a:buNone/>
-              <a:defRPr/>
-            </a:lvl2pPr>
-            <a:lvl3pPr lvl="2">
-              <a:spcBef>
-                <a:spcPts val="0"/>
-              </a:spcBef>
-              <a:spcAft>
-                <a:spcPts val="0"/>
-              </a:spcAft>
-              <a:buSzPts val="2800"/>
-              <a:buNone/>
-              <a:defRPr/>
-            </a:lvl3pPr>
-            <a:lvl4pPr lvl="3">
-              <a:spcBef>
-                <a:spcPts val="0"/>
-              </a:spcBef>
-              <a:spcAft>
-                <a:spcPts val="0"/>
-              </a:spcAft>
-              <a:buSzPts val="2800"/>
-              <a:buNone/>
-              <a:defRPr/>
-            </a:lvl4pPr>
-            <a:lvl5pPr lvl="4">
-              <a:spcBef>
-                <a:spcPts val="0"/>
-              </a:spcBef>
-              <a:spcAft>
-                <a:spcPts val="0"/>
-              </a:spcAft>
-              <a:buSzPts val="2800"/>
-              <a:buNone/>
-              <a:defRPr/>
-            </a:lvl5pPr>
-            <a:lvl6pPr lvl="5">
-              <a:spcBef>
-                <a:spcPts val="0"/>
-              </a:spcBef>
-              <a:spcAft>
-                <a:spcPts val="0"/>
-              </a:spcAft>
-              <a:buSzPts val="2800"/>
-              <a:buNone/>
-              <a:defRPr/>
-            </a:lvl6pPr>
-            <a:lvl7pPr lvl="6">
-              <a:spcBef>
-                <a:spcPts val="0"/>
-              </a:spcBef>
-              <a:spcAft>
-                <a:spcPts val="0"/>
-              </a:spcAft>
-              <a:buSzPts val="2800"/>
-              <a:buNone/>
-              <a:defRPr/>
-            </a:lvl7pPr>
-            <a:lvl8pPr lvl="7">
-              <a:spcBef>
-                <a:spcPts val="0"/>
-              </a:spcBef>
-              <a:spcAft>
-                <a:spcPts val="0"/>
-              </a:spcAft>
-              <a:buSzPts val="2800"/>
-              <a:buNone/>
-              <a:defRPr/>
-            </a:lvl8pPr>
-            <a:lvl9pPr lvl="8">
-              <a:spcBef>
-                <a:spcPts val="0"/>
-              </a:spcBef>
-              <a:spcAft>
-                <a:spcPts val="0"/>
-              </a:spcAft>
-              <a:buSzPts val="2800"/>
-              <a:buNone/>
-              <a:defRPr/>
-            </a:lvl9pPr>
-          </a:lstStyle>
-          <a:p>
-            <a:endParaRPr/>
-          </a:p>
-        </p:txBody>
-      </p:sp>
-      <p:sp>
-        <p:nvSpPr>
-          <p:cNvPr id="49" name="Google Shape;49;p12"/>
-          <p:cNvSpPr/>
-          <p:nvPr/>
-        </p:nvSpPr>
-        <p:spPr>
-          <a:xfrm>
-            <a:off x="590475" y="1364975"/>
-            <a:ext cx="7988400" cy="3412500"/>
-          </a:xfrm>
-          <a:prstGeom prst="rect">
-            <a:avLst/>
-          </a:prstGeom>
-          <a:solidFill>
-            <a:srgbClr val="FBFBFE"/>
-          </a:solidFill>
-          <a:ln>
-            <a:noFill/>
-          </a:ln>
-        </p:spPr>
-        <p:txBody>
-          <a:bodyPr spcFirstLastPara="1" wrap="square" lIns="91425" tIns="91425" rIns="91425" bIns="91425" anchor="ctr" anchorCtr="0">
-            <a:noAutofit/>
-          </a:bodyPr>
-          <a:lstStyle/>
-          <a:p>
-            <a:pPr marL="0" lvl="0" indent="0" algn="l" rtl="0">
-              <a:spcBef>
-                <a:spcPts val="0"/>
-              </a:spcBef>
-              <a:spcAft>
-                <a:spcPts val="0"/>
-              </a:spcAft>
-              <a:buNone/>
-            </a:pPr>
-            <a:endParaRPr/>
-          </a:p>
-        </p:txBody>
-      </p:sp>
-      <p:sp>
-        <p:nvSpPr>
-          <p:cNvPr id="50" name="Google Shape;50;p12"/>
-          <p:cNvSpPr txBox="1">
-            <a:spLocks noGrp="1"/>
-          </p:cNvSpPr>
-          <p:nvPr>
-            <p:ph type="subTitle" idx="1"/>
-          </p:nvPr>
-        </p:nvSpPr>
-        <p:spPr>
-          <a:xfrm>
-            <a:off x="754725" y="1516446"/>
-            <a:ext cx="8226300" cy="3455100"/>
-          </a:xfrm>
-          <a:prstGeom prst="rect">
-            <a:avLst/>
-          </a:prstGeom>
-        </p:spPr>
-        <p:txBody>
-          <a:bodyPr spcFirstLastPara="1" wrap="square" lIns="91425" tIns="91425" rIns="91425" bIns="91425" anchor="t" anchorCtr="0">
-            <a:normAutofit/>
-          </a:bodyPr>
-          <a:lstStyle>
-            <a:lvl1pPr lvl="0" rtl="0">
-              <a:lnSpc>
-                <a:spcPct val="115000"/>
-              </a:lnSpc>
-              <a:spcBef>
-                <a:spcPts val="0"/>
-              </a:spcBef>
-              <a:spcAft>
-                <a:spcPts val="0"/>
-              </a:spcAft>
-              <a:buSzPts val="1100"/>
-              <a:buFont typeface="Courier New"/>
-              <a:buNone/>
-              <a:defRPr sz="1100">
-                <a:latin typeface="Courier New"/>
-                <a:ea typeface="Courier New"/>
-                <a:cs typeface="Courier New"/>
-                <a:sym typeface="Courier New"/>
-              </a:defRPr>
-            </a:lvl1pPr>
-            <a:lvl2pPr lvl="1" rtl="0">
-              <a:lnSpc>
-                <a:spcPct val="115000"/>
-              </a:lnSpc>
-              <a:spcBef>
-                <a:spcPts val="0"/>
-              </a:spcBef>
-              <a:spcAft>
-                <a:spcPts val="0"/>
-              </a:spcAft>
-              <a:buSzPts val="1700"/>
-              <a:buNone/>
-              <a:defRPr sz="1700"/>
-            </a:lvl2pPr>
-            <a:lvl3pPr lvl="2" rtl="0">
-              <a:lnSpc>
-                <a:spcPct val="115000"/>
-              </a:lnSpc>
-              <a:spcBef>
-                <a:spcPts val="0"/>
-              </a:spcBef>
-              <a:spcAft>
-                <a:spcPts val="0"/>
-              </a:spcAft>
-              <a:buSzPts val="1700"/>
-              <a:buNone/>
-              <a:defRPr sz="1700"/>
-            </a:lvl3pPr>
-            <a:lvl4pPr lvl="3" rtl="0">
-              <a:lnSpc>
-                <a:spcPct val="115000"/>
-              </a:lnSpc>
-              <a:spcBef>
-                <a:spcPts val="0"/>
-              </a:spcBef>
-              <a:spcAft>
-                <a:spcPts val="0"/>
-              </a:spcAft>
-              <a:buSzPts val="1700"/>
-              <a:buNone/>
-              <a:defRPr sz="1700"/>
-            </a:lvl4pPr>
-            <a:lvl5pPr lvl="4" rtl="0">
-              <a:lnSpc>
-                <a:spcPct val="115000"/>
-              </a:lnSpc>
-              <a:spcBef>
-                <a:spcPts val="0"/>
-              </a:spcBef>
-              <a:spcAft>
-                <a:spcPts val="0"/>
-              </a:spcAft>
-              <a:buSzPts val="1700"/>
-              <a:buNone/>
-              <a:defRPr sz="1700"/>
-            </a:lvl5pPr>
-            <a:lvl6pPr lvl="5" rtl="0">
-              <a:lnSpc>
-                <a:spcPct val="115000"/>
-              </a:lnSpc>
-              <a:spcBef>
-                <a:spcPts val="0"/>
-              </a:spcBef>
-              <a:spcAft>
-                <a:spcPts val="0"/>
-              </a:spcAft>
-              <a:buSzPts val="1700"/>
-              <a:buNone/>
-              <a:defRPr sz="1700"/>
-            </a:lvl6pPr>
-            <a:lvl7pPr lvl="6" rtl="0">
-              <a:lnSpc>
-                <a:spcPct val="115000"/>
-              </a:lnSpc>
-              <a:spcBef>
-                <a:spcPts val="0"/>
-              </a:spcBef>
-              <a:spcAft>
-                <a:spcPts val="0"/>
-              </a:spcAft>
-              <a:buSzPts val="1700"/>
-              <a:buNone/>
-              <a:defRPr sz="1700"/>
-            </a:lvl7pPr>
-            <a:lvl8pPr lvl="7" rtl="0">
-              <a:lnSpc>
-                <a:spcPct val="115000"/>
-              </a:lnSpc>
-              <a:spcBef>
-                <a:spcPts val="0"/>
-              </a:spcBef>
-              <a:spcAft>
-                <a:spcPts val="0"/>
-              </a:spcAft>
-              <a:buSzPts val="1700"/>
-              <a:buNone/>
-              <a:defRPr sz="1700"/>
-            </a:lvl8pPr>
-            <a:lvl9pPr lvl="8" rtl="0">
-              <a:lnSpc>
-                <a:spcPct val="115000"/>
-              </a:lnSpc>
-              <a:spcBef>
-                <a:spcPts val="0"/>
-              </a:spcBef>
-              <a:spcAft>
-                <a:spcPts val="0"/>
-              </a:spcAft>
-              <a:buSzPts val="1700"/>
-              <a:buNone/>
-              <a:defRPr sz="1700"/>
-            </a:lvl9pPr>
-          </a:lstStyle>
-          <a:p>
-            <a:endParaRPr/>
-          </a:p>
-        </p:txBody>
-      </p:sp>
-    </p:spTree>
-  </p:cSld>
-  <p:clrMapOvr>
-    <a:masterClrMapping/>
-  </p:clrMapOvr>
-</p:sldLayout>
-</file>
-
-<file path=ppt/slideLayouts/slideLayout11.xml><?xml version="1.0" encoding="utf-8"?>
 <p:sldLayout xmlns:a="http://schemas.openxmlformats.org/drawingml/2006/main" xmlns:r="http://schemas.openxmlformats.org/officeDocument/2006/relationships" xmlns:p="http://schemas.openxmlformats.org/presentationml/2006/main" matchingName="Слайд с кодом 2">
   <p:cSld name="CUSTOM_2_1">
     <p:spTree>
@@ -2854,7 +2392,7 @@
 </p:sldLayout>
 </file>
 
-<file path=ppt/slideLayouts/slideLayout12.xml><?xml version="1.0" encoding="utf-8"?>
+<file path=ppt/slideLayouts/slideLayout11.xml><?xml version="1.0" encoding="utf-8"?>
 <p:sldLayout xmlns:a="http://schemas.openxmlformats.org/drawingml/2006/main" xmlns:r="http://schemas.openxmlformats.org/officeDocument/2006/relationships" xmlns:p="http://schemas.openxmlformats.org/presentationml/2006/main" matchingName="Слайд КОД+ТЕКСТ 1">
   <p:cSld name="CUSTOM_4">
     <p:spTree>
@@ -3429,7 +2967,7 @@
 </p:sldLayout>
 </file>
 
-<file path=ppt/slideLayouts/slideLayout13.xml><?xml version="1.0" encoding="utf-8"?>
+<file path=ppt/slideLayouts/slideLayout12.xml><?xml version="1.0" encoding="utf-8"?>
 <p:sldLayout xmlns:a="http://schemas.openxmlformats.org/drawingml/2006/main" xmlns:r="http://schemas.openxmlformats.org/officeDocument/2006/relationships" xmlns:p="http://schemas.openxmlformats.org/presentationml/2006/main" matchingName="Слайд КОД+ТЕКСТ 2">
   <p:cSld name="CUSTOM_4_1">
     <p:spTree>
@@ -4005,239 +3543,6 @@
 </file>
 
 <file path=ppt/slideLayouts/slideLayout2.xml><?xml version="1.0" encoding="utf-8"?>
-<p:sldLayout xmlns:a="http://schemas.openxmlformats.org/drawingml/2006/main" xmlns:r="http://schemas.openxmlformats.org/officeDocument/2006/relationships" xmlns:p="http://schemas.openxmlformats.org/presentationml/2006/main" matchingName="Белый слайд + заголовок" type="secHead">
-  <p:cSld name="SECTION_HEADER">
-    <p:spTree>
-      <p:nvGrpSpPr>
-        <p:cNvPr id="1" name="Shape 13"/>
-        <p:cNvGrpSpPr/>
-        <p:nvPr/>
-      </p:nvGrpSpPr>
-      <p:grpSpPr>
-        <a:xfrm>
-          <a:off x="0" y="0"/>
-          <a:ext cx="0" cy="0"/>
-          <a:chOff x="0" y="0"/>
-          <a:chExt cx="0" cy="0"/>
-        </a:xfrm>
-      </p:grpSpPr>
-      <p:sp>
-        <p:nvSpPr>
-          <p:cNvPr id="14" name="Google Shape;14;p3"/>
-          <p:cNvSpPr txBox="1">
-            <a:spLocks noGrp="1"/>
-          </p:cNvSpPr>
-          <p:nvPr>
-            <p:ph type="title"/>
-          </p:nvPr>
-        </p:nvSpPr>
-        <p:spPr>
-          <a:xfrm>
-            <a:off x="500550" y="1784775"/>
-            <a:ext cx="7935300" cy="1145100"/>
-          </a:xfrm>
-          <a:prstGeom prst="rect">
-            <a:avLst/>
-          </a:prstGeom>
-        </p:spPr>
-        <p:txBody>
-          <a:bodyPr spcFirstLastPara="1" wrap="square" lIns="91425" tIns="91425" rIns="91425" bIns="91425" anchor="ctr" anchorCtr="0">
-            <a:noAutofit/>
-          </a:bodyPr>
-          <a:lstStyle>
-            <a:lvl1pPr lvl="0">
-              <a:spcBef>
-                <a:spcPts val="0"/>
-              </a:spcBef>
-              <a:spcAft>
-                <a:spcPts val="0"/>
-              </a:spcAft>
-              <a:buSzPts val="3600"/>
-              <a:buNone/>
-              <a:defRPr sz="3600"/>
-            </a:lvl1pPr>
-            <a:lvl2pPr lvl="1">
-              <a:spcBef>
-                <a:spcPts val="0"/>
-              </a:spcBef>
-              <a:spcAft>
-                <a:spcPts val="0"/>
-              </a:spcAft>
-              <a:buSzPts val="3600"/>
-              <a:buNone/>
-              <a:defRPr sz="3600"/>
-            </a:lvl2pPr>
-            <a:lvl3pPr lvl="2">
-              <a:spcBef>
-                <a:spcPts val="0"/>
-              </a:spcBef>
-              <a:spcAft>
-                <a:spcPts val="0"/>
-              </a:spcAft>
-              <a:buSzPts val="3600"/>
-              <a:buNone/>
-              <a:defRPr sz="3600"/>
-            </a:lvl3pPr>
-            <a:lvl4pPr lvl="3">
-              <a:spcBef>
-                <a:spcPts val="0"/>
-              </a:spcBef>
-              <a:spcAft>
-                <a:spcPts val="0"/>
-              </a:spcAft>
-              <a:buSzPts val="3600"/>
-              <a:buNone/>
-              <a:defRPr sz="3600"/>
-            </a:lvl4pPr>
-            <a:lvl5pPr lvl="4">
-              <a:spcBef>
-                <a:spcPts val="0"/>
-              </a:spcBef>
-              <a:spcAft>
-                <a:spcPts val="0"/>
-              </a:spcAft>
-              <a:buSzPts val="3600"/>
-              <a:buNone/>
-              <a:defRPr sz="3600"/>
-            </a:lvl5pPr>
-            <a:lvl6pPr lvl="5">
-              <a:spcBef>
-                <a:spcPts val="0"/>
-              </a:spcBef>
-              <a:spcAft>
-                <a:spcPts val="0"/>
-              </a:spcAft>
-              <a:buSzPts val="3600"/>
-              <a:buNone/>
-              <a:defRPr sz="3600"/>
-            </a:lvl6pPr>
-            <a:lvl7pPr lvl="6">
-              <a:spcBef>
-                <a:spcPts val="0"/>
-              </a:spcBef>
-              <a:spcAft>
-                <a:spcPts val="0"/>
-              </a:spcAft>
-              <a:buSzPts val="3600"/>
-              <a:buNone/>
-              <a:defRPr sz="3600"/>
-            </a:lvl7pPr>
-            <a:lvl8pPr lvl="7">
-              <a:spcBef>
-                <a:spcPts val="0"/>
-              </a:spcBef>
-              <a:spcAft>
-                <a:spcPts val="0"/>
-              </a:spcAft>
-              <a:buSzPts val="3600"/>
-              <a:buNone/>
-              <a:defRPr sz="3600"/>
-            </a:lvl8pPr>
-            <a:lvl9pPr lvl="8">
-              <a:spcBef>
-                <a:spcPts val="0"/>
-              </a:spcBef>
-              <a:spcAft>
-                <a:spcPts val="0"/>
-              </a:spcAft>
-              <a:buSzPts val="3600"/>
-              <a:buNone/>
-              <a:defRPr sz="3600"/>
-            </a:lvl9pPr>
-          </a:lstStyle>
-          <a:p>
-            <a:endParaRPr/>
-          </a:p>
-        </p:txBody>
-      </p:sp>
-      <p:sp>
-        <p:nvSpPr>
-          <p:cNvPr id="15" name="Google Shape;15;p3"/>
-          <p:cNvSpPr txBox="1">
-            <a:spLocks noGrp="1"/>
-          </p:cNvSpPr>
-          <p:nvPr>
-            <p:ph type="sldNum" idx="12"/>
-          </p:nvPr>
-        </p:nvSpPr>
-        <p:spPr>
-          <a:xfrm>
-            <a:off x="8472458" y="4663217"/>
-            <a:ext cx="548700" cy="393600"/>
-          </a:xfrm>
-          <a:prstGeom prst="rect">
-            <a:avLst/>
-          </a:prstGeom>
-        </p:spPr>
-        <p:txBody>
-          <a:bodyPr spcFirstLastPara="1" wrap="square" lIns="91425" tIns="91425" rIns="91425" bIns="91425" anchor="ctr" anchorCtr="0">
-            <a:normAutofit/>
-          </a:bodyPr>
-          <a:lstStyle>
-            <a:lvl1pPr lvl="0">
-              <a:buNone/>
-              <a:defRPr/>
-            </a:lvl1pPr>
-            <a:lvl2pPr lvl="1">
-              <a:buNone/>
-              <a:defRPr/>
-            </a:lvl2pPr>
-            <a:lvl3pPr lvl="2">
-              <a:buNone/>
-              <a:defRPr/>
-            </a:lvl3pPr>
-            <a:lvl4pPr lvl="3">
-              <a:buNone/>
-              <a:defRPr/>
-            </a:lvl4pPr>
-            <a:lvl5pPr lvl="4">
-              <a:buNone/>
-              <a:defRPr/>
-            </a:lvl5pPr>
-            <a:lvl6pPr lvl="5">
-              <a:buNone/>
-              <a:defRPr/>
-            </a:lvl6pPr>
-            <a:lvl7pPr lvl="6">
-              <a:buNone/>
-              <a:defRPr/>
-            </a:lvl7pPr>
-            <a:lvl8pPr lvl="7">
-              <a:buNone/>
-              <a:defRPr/>
-            </a:lvl8pPr>
-            <a:lvl9pPr lvl="8">
-              <a:buNone/>
-              <a:defRPr/>
-            </a:lvl9pPr>
-          </a:lstStyle>
-          <a:p>
-            <a:pPr marL="0" lvl="0" indent="0" algn="r" rtl="0">
-              <a:spcBef>
-                <a:spcPts val="0"/>
-              </a:spcBef>
-              <a:spcAft>
-                <a:spcPts val="0"/>
-              </a:spcAft>
-              <a:buNone/>
-            </a:pPr>
-            <a:fld id="{00000000-1234-1234-1234-123412341234}" type="slidenum">
-              <a:rPr lang="ru"/>
-              <a:t>‹#›</a:t>
-            </a:fld>
-            <a:endParaRPr/>
-          </a:p>
-        </p:txBody>
-      </p:sp>
-    </p:spTree>
-  </p:cSld>
-  <p:clrMapOvr>
-    <a:masterClrMapping/>
-  </p:clrMapOvr>
-</p:sldLayout>
-</file>
-
-<file path=ppt/slideLayouts/slideLayout3.xml><?xml version="1.0" encoding="utf-8"?>
 <p:sldLayout xmlns:a="http://schemas.openxmlformats.org/drawingml/2006/main" xmlns:r="http://schemas.openxmlformats.org/officeDocument/2006/relationships" xmlns:p="http://schemas.openxmlformats.org/presentationml/2006/main" matchingName="Ваш макет 1">
   <p:cSld name="CUSTOM_5">
     <p:spTree>
@@ -4391,7 +3696,7 @@
 </p:sldLayout>
 </file>
 
-<file path=ppt/slideLayouts/slideLayout4.xml><?xml version="1.0" encoding="utf-8"?>
+<file path=ppt/slideLayouts/slideLayout3.xml><?xml version="1.0" encoding="utf-8"?>
 <p:sldLayout xmlns:a="http://schemas.openxmlformats.org/drawingml/2006/main" xmlns:r="http://schemas.openxmlformats.org/officeDocument/2006/relationships" xmlns:p="http://schemas.openxmlformats.org/presentationml/2006/main" matchingName="Title and body" type="tx">
   <p:cSld name="TITLE_AND_BODY">
     <p:spTree>
@@ -4780,7 +4085,7 @@
 </p:sldLayout>
 </file>
 
-<file path=ppt/slideLayouts/slideLayout5.xml><?xml version="1.0" encoding="utf-8"?>
+<file path=ppt/slideLayouts/slideLayout4.xml><?xml version="1.0" encoding="utf-8"?>
 <p:sldLayout xmlns:a="http://schemas.openxmlformats.org/drawingml/2006/main" xmlns:r="http://schemas.openxmlformats.org/officeDocument/2006/relationships" xmlns:p="http://schemas.openxmlformats.org/presentationml/2006/main" matchingName="Тема вебинара" type="twoColTx">
   <p:cSld name="TITLE_AND_TWO_COLUMNS">
     <p:spTree>
@@ -5893,7 +5198,7 @@
 </p:sldLayout>
 </file>
 
-<file path=ppt/slideLayouts/slideLayout6.xml><?xml version="1.0" encoding="utf-8"?>
+<file path=ppt/slideLayouts/slideLayout5.xml><?xml version="1.0" encoding="utf-8"?>
 <p:sldLayout xmlns:a="http://schemas.openxmlformats.org/drawingml/2006/main" xmlns:r="http://schemas.openxmlformats.org/officeDocument/2006/relationships" xmlns:p="http://schemas.openxmlformats.org/presentationml/2006/main" matchingName="Разделительный слайд">
   <p:cSld name="MAIN_POINT">
     <p:spTree>
@@ -6160,7 +5465,7 @@
 </p:sldLayout>
 </file>
 
-<file path=ppt/slideLayouts/slideLayout7.xml><?xml version="1.0" encoding="utf-8"?>
+<file path=ppt/slideLayouts/slideLayout6.xml><?xml version="1.0" encoding="utf-8"?>
 <p:sldLayout xmlns:a="http://schemas.openxmlformats.org/drawingml/2006/main" xmlns:r="http://schemas.openxmlformats.org/officeDocument/2006/relationships" xmlns:p="http://schemas.openxmlformats.org/presentationml/2006/main" matchingName="О себе">
   <p:cSld name="CUSTOM_1">
     <p:spTree>
@@ -6745,7 +6050,7 @@
 </p:sldLayout>
 </file>
 
-<file path=ppt/slideLayouts/slideLayout8.xml><?xml version="1.0" encoding="utf-8"?>
+<file path=ppt/slideLayouts/slideLayout7.xml><?xml version="1.0" encoding="utf-8"?>
 <p:sldLayout xmlns:a="http://schemas.openxmlformats.org/drawingml/2006/main" xmlns:r="http://schemas.openxmlformats.org/officeDocument/2006/relationships" xmlns:p="http://schemas.openxmlformats.org/presentationml/2006/main" matchingName="Раздел+описание">
   <p:cSld name="SECTION_TITLE_AND_DESCRIPTION">
     <p:spTree>
@@ -7303,7 +6608,7 @@
 </p:sldLayout>
 </file>
 
-<file path=ppt/slideLayouts/slideLayout9.xml><?xml version="1.0" encoding="utf-8"?>
+<file path=ppt/slideLayouts/slideLayout8.xml><?xml version="1.0" encoding="utf-8"?>
 <p:sldLayout xmlns:a="http://schemas.openxmlformats.org/drawingml/2006/main" xmlns:r="http://schemas.openxmlformats.org/officeDocument/2006/relationships" xmlns:p="http://schemas.openxmlformats.org/presentationml/2006/main" matchingName="Заголовок">
   <p:cSld name="CUSTOM_3">
     <p:spTree>
@@ -7457,13 +6762,369 @@
 </p:sldLayout>
 </file>
 
+<file path=ppt/slideLayouts/slideLayout9.xml><?xml version="1.0" encoding="utf-8"?>
+<p:sldLayout xmlns:a="http://schemas.openxmlformats.org/drawingml/2006/main" xmlns:r="http://schemas.openxmlformats.org/officeDocument/2006/relationships" xmlns:p="http://schemas.openxmlformats.org/presentationml/2006/main" matchingName="Слайд с кодом 1">
+  <p:cSld name="CUSTOM_2">
+    <p:spTree>
+      <p:nvGrpSpPr>
+        <p:cNvPr id="1" name="Shape 47"/>
+        <p:cNvGrpSpPr/>
+        <p:nvPr/>
+      </p:nvGrpSpPr>
+      <p:grpSpPr>
+        <a:xfrm>
+          <a:off x="0" y="0"/>
+          <a:ext cx="0" cy="0"/>
+          <a:chOff x="0" y="0"/>
+          <a:chExt cx="0" cy="0"/>
+        </a:xfrm>
+      </p:grpSpPr>
+      <p:sp>
+        <p:nvSpPr>
+          <p:cNvPr id="48" name="Google Shape;48;p12"/>
+          <p:cNvSpPr txBox="1">
+            <a:spLocks noGrp="1"/>
+          </p:cNvSpPr>
+          <p:nvPr>
+            <p:ph type="title"/>
+          </p:nvPr>
+        </p:nvSpPr>
+        <p:spPr>
+          <a:xfrm>
+            <a:off x="500550" y="330724"/>
+            <a:ext cx="8520600" cy="1095900"/>
+          </a:xfrm>
+          <a:prstGeom prst="rect">
+            <a:avLst/>
+          </a:prstGeom>
+        </p:spPr>
+        <p:txBody>
+          <a:bodyPr spcFirstLastPara="1" wrap="square" lIns="91425" tIns="91425" rIns="91425" bIns="91425" anchor="t" anchorCtr="0">
+            <a:noAutofit/>
+          </a:bodyPr>
+          <a:lstStyle>
+            <a:lvl1pPr lvl="0">
+              <a:spcBef>
+                <a:spcPts val="0"/>
+              </a:spcBef>
+              <a:spcAft>
+                <a:spcPts val="0"/>
+              </a:spcAft>
+              <a:buSzPts val="3100"/>
+              <a:buNone/>
+              <a:defRPr/>
+            </a:lvl1pPr>
+            <a:lvl2pPr lvl="1">
+              <a:spcBef>
+                <a:spcPts val="0"/>
+              </a:spcBef>
+              <a:spcAft>
+                <a:spcPts val="0"/>
+              </a:spcAft>
+              <a:buSzPts val="2800"/>
+              <a:buNone/>
+              <a:defRPr/>
+            </a:lvl2pPr>
+            <a:lvl3pPr lvl="2">
+              <a:spcBef>
+                <a:spcPts val="0"/>
+              </a:spcBef>
+              <a:spcAft>
+                <a:spcPts val="0"/>
+              </a:spcAft>
+              <a:buSzPts val="2800"/>
+              <a:buNone/>
+              <a:defRPr/>
+            </a:lvl3pPr>
+            <a:lvl4pPr lvl="3">
+              <a:spcBef>
+                <a:spcPts val="0"/>
+              </a:spcBef>
+              <a:spcAft>
+                <a:spcPts val="0"/>
+              </a:spcAft>
+              <a:buSzPts val="2800"/>
+              <a:buNone/>
+              <a:defRPr/>
+            </a:lvl4pPr>
+            <a:lvl5pPr lvl="4">
+              <a:spcBef>
+                <a:spcPts val="0"/>
+              </a:spcBef>
+              <a:spcAft>
+                <a:spcPts val="0"/>
+              </a:spcAft>
+              <a:buSzPts val="2800"/>
+              <a:buNone/>
+              <a:defRPr/>
+            </a:lvl5pPr>
+            <a:lvl6pPr lvl="5">
+              <a:spcBef>
+                <a:spcPts val="0"/>
+              </a:spcBef>
+              <a:spcAft>
+                <a:spcPts val="0"/>
+              </a:spcAft>
+              <a:buSzPts val="2800"/>
+              <a:buNone/>
+              <a:defRPr/>
+            </a:lvl6pPr>
+            <a:lvl7pPr lvl="6">
+              <a:spcBef>
+                <a:spcPts val="0"/>
+              </a:spcBef>
+              <a:spcAft>
+                <a:spcPts val="0"/>
+              </a:spcAft>
+              <a:buSzPts val="2800"/>
+              <a:buNone/>
+              <a:defRPr/>
+            </a:lvl7pPr>
+            <a:lvl8pPr lvl="7">
+              <a:spcBef>
+                <a:spcPts val="0"/>
+              </a:spcBef>
+              <a:spcAft>
+                <a:spcPts val="0"/>
+              </a:spcAft>
+              <a:buSzPts val="2800"/>
+              <a:buNone/>
+              <a:defRPr/>
+            </a:lvl8pPr>
+            <a:lvl9pPr lvl="8">
+              <a:spcBef>
+                <a:spcPts val="0"/>
+              </a:spcBef>
+              <a:spcAft>
+                <a:spcPts val="0"/>
+              </a:spcAft>
+              <a:buSzPts val="2800"/>
+              <a:buNone/>
+              <a:defRPr/>
+            </a:lvl9pPr>
+          </a:lstStyle>
+          <a:p>
+            <a:endParaRPr/>
+          </a:p>
+        </p:txBody>
+      </p:sp>
+      <p:sp>
+        <p:nvSpPr>
+          <p:cNvPr id="49" name="Google Shape;49;p12"/>
+          <p:cNvSpPr/>
+          <p:nvPr/>
+        </p:nvSpPr>
+        <p:spPr>
+          <a:xfrm>
+            <a:off x="590475" y="1364975"/>
+            <a:ext cx="7988400" cy="3412500"/>
+          </a:xfrm>
+          <a:prstGeom prst="rect">
+            <a:avLst/>
+          </a:prstGeom>
+          <a:solidFill>
+            <a:srgbClr val="FBFBFE"/>
+          </a:solidFill>
+          <a:ln>
+            <a:noFill/>
+          </a:ln>
+        </p:spPr>
+        <p:txBody>
+          <a:bodyPr spcFirstLastPara="1" wrap="square" lIns="91425" tIns="91425" rIns="91425" bIns="91425" anchor="ctr" anchorCtr="0">
+            <a:noAutofit/>
+          </a:bodyPr>
+          <a:lstStyle/>
+          <a:p>
+            <a:pPr marL="0" lvl="0" indent="0" algn="l" rtl="0">
+              <a:spcBef>
+                <a:spcPts val="0"/>
+              </a:spcBef>
+              <a:spcAft>
+                <a:spcPts val="0"/>
+              </a:spcAft>
+              <a:buNone/>
+            </a:pPr>
+            <a:endParaRPr/>
+          </a:p>
+        </p:txBody>
+      </p:sp>
+      <p:sp>
+        <p:nvSpPr>
+          <p:cNvPr id="50" name="Google Shape;50;p12"/>
+          <p:cNvSpPr txBox="1">
+            <a:spLocks noGrp="1"/>
+          </p:cNvSpPr>
+          <p:nvPr>
+            <p:ph type="subTitle" idx="1"/>
+          </p:nvPr>
+        </p:nvSpPr>
+        <p:spPr>
+          <a:xfrm>
+            <a:off x="754725" y="1516446"/>
+            <a:ext cx="8226300" cy="3455100"/>
+          </a:xfrm>
+          <a:prstGeom prst="rect">
+            <a:avLst/>
+          </a:prstGeom>
+        </p:spPr>
+        <p:txBody>
+          <a:bodyPr spcFirstLastPara="1" wrap="square" lIns="91425" tIns="91425" rIns="91425" bIns="91425" anchor="t" anchorCtr="0">
+            <a:normAutofit/>
+          </a:bodyPr>
+          <a:lstStyle>
+            <a:lvl1pPr lvl="0" rtl="0">
+              <a:lnSpc>
+                <a:spcPct val="115000"/>
+              </a:lnSpc>
+              <a:spcBef>
+                <a:spcPts val="0"/>
+              </a:spcBef>
+              <a:spcAft>
+                <a:spcPts val="0"/>
+              </a:spcAft>
+              <a:buSzPts val="1100"/>
+              <a:buFont typeface="Courier New"/>
+              <a:buNone/>
+              <a:defRPr sz="1100">
+                <a:latin typeface="Courier New"/>
+                <a:ea typeface="Courier New"/>
+                <a:cs typeface="Courier New"/>
+                <a:sym typeface="Courier New"/>
+              </a:defRPr>
+            </a:lvl1pPr>
+            <a:lvl2pPr lvl="1" rtl="0">
+              <a:lnSpc>
+                <a:spcPct val="115000"/>
+              </a:lnSpc>
+              <a:spcBef>
+                <a:spcPts val="0"/>
+              </a:spcBef>
+              <a:spcAft>
+                <a:spcPts val="0"/>
+              </a:spcAft>
+              <a:buSzPts val="1700"/>
+              <a:buNone/>
+              <a:defRPr sz="1700"/>
+            </a:lvl2pPr>
+            <a:lvl3pPr lvl="2" rtl="0">
+              <a:lnSpc>
+                <a:spcPct val="115000"/>
+              </a:lnSpc>
+              <a:spcBef>
+                <a:spcPts val="0"/>
+              </a:spcBef>
+              <a:spcAft>
+                <a:spcPts val="0"/>
+              </a:spcAft>
+              <a:buSzPts val="1700"/>
+              <a:buNone/>
+              <a:defRPr sz="1700"/>
+            </a:lvl3pPr>
+            <a:lvl4pPr lvl="3" rtl="0">
+              <a:lnSpc>
+                <a:spcPct val="115000"/>
+              </a:lnSpc>
+              <a:spcBef>
+                <a:spcPts val="0"/>
+              </a:spcBef>
+              <a:spcAft>
+                <a:spcPts val="0"/>
+              </a:spcAft>
+              <a:buSzPts val="1700"/>
+              <a:buNone/>
+              <a:defRPr sz="1700"/>
+            </a:lvl4pPr>
+            <a:lvl5pPr lvl="4" rtl="0">
+              <a:lnSpc>
+                <a:spcPct val="115000"/>
+              </a:lnSpc>
+              <a:spcBef>
+                <a:spcPts val="0"/>
+              </a:spcBef>
+              <a:spcAft>
+                <a:spcPts val="0"/>
+              </a:spcAft>
+              <a:buSzPts val="1700"/>
+              <a:buNone/>
+              <a:defRPr sz="1700"/>
+            </a:lvl5pPr>
+            <a:lvl6pPr lvl="5" rtl="0">
+              <a:lnSpc>
+                <a:spcPct val="115000"/>
+              </a:lnSpc>
+              <a:spcBef>
+                <a:spcPts val="0"/>
+              </a:spcBef>
+              <a:spcAft>
+                <a:spcPts val="0"/>
+              </a:spcAft>
+              <a:buSzPts val="1700"/>
+              <a:buNone/>
+              <a:defRPr sz="1700"/>
+            </a:lvl6pPr>
+            <a:lvl7pPr lvl="6" rtl="0">
+              <a:lnSpc>
+                <a:spcPct val="115000"/>
+              </a:lnSpc>
+              <a:spcBef>
+                <a:spcPts val="0"/>
+              </a:spcBef>
+              <a:spcAft>
+                <a:spcPts val="0"/>
+              </a:spcAft>
+              <a:buSzPts val="1700"/>
+              <a:buNone/>
+              <a:defRPr sz="1700"/>
+            </a:lvl7pPr>
+            <a:lvl8pPr lvl="7" rtl="0">
+              <a:lnSpc>
+                <a:spcPct val="115000"/>
+              </a:lnSpc>
+              <a:spcBef>
+                <a:spcPts val="0"/>
+              </a:spcBef>
+              <a:spcAft>
+                <a:spcPts val="0"/>
+              </a:spcAft>
+              <a:buSzPts val="1700"/>
+              <a:buNone/>
+              <a:defRPr sz="1700"/>
+            </a:lvl8pPr>
+            <a:lvl9pPr lvl="8" rtl="0">
+              <a:lnSpc>
+                <a:spcPct val="115000"/>
+              </a:lnSpc>
+              <a:spcBef>
+                <a:spcPts val="0"/>
+              </a:spcBef>
+              <a:spcAft>
+                <a:spcPts val="0"/>
+              </a:spcAft>
+              <a:buSzPts val="1700"/>
+              <a:buNone/>
+              <a:defRPr sz="1700"/>
+            </a:lvl9pPr>
+          </a:lstStyle>
+          <a:p>
+            <a:endParaRPr/>
+          </a:p>
+        </p:txBody>
+      </p:sp>
+    </p:spTree>
+  </p:cSld>
+  <p:clrMapOvr>
+    <a:masterClrMapping/>
+  </p:clrMapOvr>
+</p:sldLayout>
+</file>
+
 <file path=ppt/slideMasters/slideMaster1.xml><?xml version="1.0" encoding="utf-8"?>
 <p:sldMaster xmlns:a="http://schemas.openxmlformats.org/drawingml/2006/main" xmlns:r="http://schemas.openxmlformats.org/officeDocument/2006/relationships" xmlns:p="http://schemas.openxmlformats.org/presentationml/2006/main">
   <p:cSld name="simple-light-2">
     <p:bg>
       <p:bgPr>
         <a:blipFill>
-          <a:blip r:embed="rId15">
+          <a:blip r:embed="rId14">
             <a:alphaModFix/>
           </a:blip>
           <a:stretch>
@@ -8120,18 +7781,17 @@
   <p:clrMap bg1="lt1" tx1="dk1" bg2="dk2" tx2="lt2" accent1="accent1" accent2="accent2" accent3="accent3" accent4="accent4" accent5="accent5" accent6="accent6" hlink="hlink" folHlink="folHlink"/>
   <p:sldLayoutIdLst>
     <p:sldLayoutId id="2147483648" r:id="rId1"/>
-    <p:sldLayoutId id="2147483649" r:id="rId2"/>
-    <p:sldLayoutId id="2147483650" r:id="rId3"/>
-    <p:sldLayoutId id="2147483651" r:id="rId4"/>
-    <p:sldLayoutId id="2147483652" r:id="rId5"/>
-    <p:sldLayoutId id="2147483653" r:id="rId6"/>
-    <p:sldLayoutId id="2147483654" r:id="rId7"/>
-    <p:sldLayoutId id="2147483655" r:id="rId8"/>
-    <p:sldLayoutId id="2147483657" r:id="rId9"/>
-    <p:sldLayoutId id="2147483658" r:id="rId10"/>
-    <p:sldLayoutId id="2147483659" r:id="rId11"/>
-    <p:sldLayoutId id="2147483660" r:id="rId12"/>
-    <p:sldLayoutId id="2147483661" r:id="rId13"/>
+    <p:sldLayoutId id="2147483650" r:id="rId2"/>
+    <p:sldLayoutId id="2147483651" r:id="rId3"/>
+    <p:sldLayoutId id="2147483652" r:id="rId4"/>
+    <p:sldLayoutId id="2147483653" r:id="rId5"/>
+    <p:sldLayoutId id="2147483654" r:id="rId6"/>
+    <p:sldLayoutId id="2147483655" r:id="rId7"/>
+    <p:sldLayoutId id="2147483657" r:id="rId8"/>
+    <p:sldLayoutId id="2147483658" r:id="rId9"/>
+    <p:sldLayoutId id="2147483659" r:id="rId10"/>
+    <p:sldLayoutId id="2147483660" r:id="rId11"/>
+    <p:sldLayoutId id="2147483661" r:id="rId12"/>
   </p:sldLayoutIdLst>
   <p:hf sldNum="0" hdr="0" ftr="0" dt="0"/>
   <p:txStyles>
@@ -8962,213 +8622,6 @@
           <p:cNvPr id="2" name="Заголовок 1">
             <a:extLst>
               <a:ext uri="{FF2B5EF4-FFF2-40B4-BE49-F238E27FC236}">
-                <a16:creationId xmlns:a16="http://schemas.microsoft.com/office/drawing/2014/main" id="{4B3CDE2E-8E45-4288-B8A7-79430A544105}"/>
-              </a:ext>
-            </a:extLst>
-          </p:cNvPr>
-          <p:cNvSpPr>
-            <a:spLocks noGrp="1"/>
-          </p:cNvSpPr>
-          <p:nvPr>
-            <p:ph type="title"/>
-          </p:nvPr>
-        </p:nvSpPr>
-        <p:spPr>
-          <a:xfrm>
-            <a:off x="500550" y="330724"/>
-            <a:ext cx="8520600" cy="618312"/>
-          </a:xfrm>
-        </p:spPr>
-        <p:txBody>
-          <a:bodyPr/>
-          <a:lstStyle/>
-          <a:p>
-            <a:r>
-              <a:rPr lang="ru-RU" dirty="0" err="1"/>
-              <a:t>Межвлановая</a:t>
-            </a:r>
-            <a:r>
-              <a:rPr lang="ru-RU" dirty="0"/>
-              <a:t> маршрутизация</a:t>
-            </a:r>
-          </a:p>
-        </p:txBody>
-      </p:sp>
-      <p:pic>
-        <p:nvPicPr>
-          <p:cNvPr id="4" name="Рисунок 3">
-            <a:extLst>
-              <a:ext uri="{FF2B5EF4-FFF2-40B4-BE49-F238E27FC236}">
-                <a16:creationId xmlns:a16="http://schemas.microsoft.com/office/drawing/2014/main" id="{026CA67C-0233-4B92-A399-5BC9F13F0427}"/>
-              </a:ext>
-            </a:extLst>
-          </p:cNvPr>
-          <p:cNvPicPr>
-            <a:picLocks noChangeAspect="1"/>
-          </p:cNvPicPr>
-          <p:nvPr/>
-        </p:nvPicPr>
-        <p:blipFill>
-          <a:blip r:embed="rId2"/>
-          <a:stretch>
-            <a:fillRect/>
-          </a:stretch>
-        </p:blipFill>
-        <p:spPr>
-          <a:xfrm>
-            <a:off x="500550" y="1429995"/>
-            <a:ext cx="1376741" cy="3454841"/>
-          </a:xfrm>
-          <a:prstGeom prst="rect">
-            <a:avLst/>
-          </a:prstGeom>
-        </p:spPr>
-      </p:pic>
-      <p:sp>
-        <p:nvSpPr>
-          <p:cNvPr id="5" name="TextBox 4">
-            <a:extLst>
-              <a:ext uri="{FF2B5EF4-FFF2-40B4-BE49-F238E27FC236}">
-                <a16:creationId xmlns:a16="http://schemas.microsoft.com/office/drawing/2014/main" id="{1E01A71A-D0AA-4EB3-A06A-5C1E290A7940}"/>
-              </a:ext>
-            </a:extLst>
-          </p:cNvPr>
-          <p:cNvSpPr txBox="1"/>
-          <p:nvPr/>
-        </p:nvSpPr>
-        <p:spPr>
-          <a:xfrm>
-            <a:off x="422564" y="1122218"/>
-            <a:ext cx="1726755" cy="307777"/>
-          </a:xfrm>
-          <a:prstGeom prst="rect">
-            <a:avLst/>
-          </a:prstGeom>
-          <a:noFill/>
-        </p:spPr>
-        <p:txBody>
-          <a:bodyPr wrap="none" rtlCol="0">
-            <a:spAutoFit/>
-          </a:bodyPr>
-          <a:lstStyle/>
-          <a:p>
-            <a:r>
-              <a:rPr lang="ru-RU" dirty="0"/>
-              <a:t>Добавление </a:t>
-            </a:r>
-            <a:r>
-              <a:rPr lang="en-US" dirty="0"/>
-              <a:t>VLAN</a:t>
-            </a:r>
-            <a:endParaRPr lang="ru-RU" dirty="0"/>
-          </a:p>
-        </p:txBody>
-      </p:sp>
-      <p:pic>
-        <p:nvPicPr>
-          <p:cNvPr id="7" name="Рисунок 6">
-            <a:extLst>
-              <a:ext uri="{FF2B5EF4-FFF2-40B4-BE49-F238E27FC236}">
-                <a16:creationId xmlns:a16="http://schemas.microsoft.com/office/drawing/2014/main" id="{D834D249-9EF0-4CCD-A702-DF33F277875E}"/>
-              </a:ext>
-            </a:extLst>
-          </p:cNvPr>
-          <p:cNvPicPr>
-            <a:picLocks noChangeAspect="1"/>
-          </p:cNvPicPr>
-          <p:nvPr/>
-        </p:nvPicPr>
-        <p:blipFill>
-          <a:blip r:embed="rId3"/>
-          <a:stretch>
-            <a:fillRect/>
-          </a:stretch>
-        </p:blipFill>
-        <p:spPr>
-          <a:xfrm>
-            <a:off x="3122345" y="1429995"/>
-            <a:ext cx="2585728" cy="2043956"/>
-          </a:xfrm>
-          <a:prstGeom prst="rect">
-            <a:avLst/>
-          </a:prstGeom>
-        </p:spPr>
-      </p:pic>
-      <p:sp>
-        <p:nvSpPr>
-          <p:cNvPr id="8" name="TextBox 7">
-            <a:extLst>
-              <a:ext uri="{FF2B5EF4-FFF2-40B4-BE49-F238E27FC236}">
-                <a16:creationId xmlns:a16="http://schemas.microsoft.com/office/drawing/2014/main" id="{9C6D7A9D-39C4-4C9E-839B-746BBC26BB39}"/>
-              </a:ext>
-            </a:extLst>
-          </p:cNvPr>
-          <p:cNvSpPr txBox="1"/>
-          <p:nvPr/>
-        </p:nvSpPr>
-        <p:spPr>
-          <a:xfrm>
-            <a:off x="3048001" y="1122218"/>
-            <a:ext cx="1622560" cy="307777"/>
-          </a:xfrm>
-          <a:prstGeom prst="rect">
-            <a:avLst/>
-          </a:prstGeom>
-          <a:noFill/>
-        </p:spPr>
-        <p:txBody>
-          <a:bodyPr wrap="none" rtlCol="0">
-            <a:spAutoFit/>
-          </a:bodyPr>
-          <a:lstStyle/>
-          <a:p>
-            <a:r>
-              <a:rPr lang="ru-RU" dirty="0"/>
-              <a:t>Настройка </a:t>
-            </a:r>
-            <a:r>
-              <a:rPr lang="en-US" dirty="0"/>
-              <a:t>ROAS</a:t>
-            </a:r>
-            <a:endParaRPr lang="ru-RU" dirty="0"/>
-          </a:p>
-        </p:txBody>
-      </p:sp>
-    </p:spTree>
-    <p:extLst>
-      <p:ext uri="{BB962C8B-B14F-4D97-AF65-F5344CB8AC3E}">
-        <p14:creationId xmlns:p14="http://schemas.microsoft.com/office/powerpoint/2010/main" val="2846764495"/>
-      </p:ext>
-    </p:extLst>
-  </p:cSld>
-  <p:clrMapOvr>
-    <a:masterClrMapping/>
-  </p:clrMapOvr>
-</p:sld>
-</file>
-
-<file path=ppt/slides/slide11.xml><?xml version="1.0" encoding="utf-8"?>
-<p:sld xmlns:a="http://schemas.openxmlformats.org/drawingml/2006/main" xmlns:r="http://schemas.openxmlformats.org/officeDocument/2006/relationships" xmlns:p="http://schemas.openxmlformats.org/presentationml/2006/main">
-  <p:cSld>
-    <p:spTree>
-      <p:nvGrpSpPr>
-        <p:cNvPr id="1" name=""/>
-        <p:cNvGrpSpPr/>
-        <p:nvPr/>
-      </p:nvGrpSpPr>
-      <p:grpSpPr>
-        <a:xfrm>
-          <a:off x="0" y="0"/>
-          <a:ext cx="0" cy="0"/>
-          <a:chOff x="0" y="0"/>
-          <a:chExt cx="0" cy="0"/>
-        </a:xfrm>
-      </p:grpSpPr>
-      <p:sp>
-        <p:nvSpPr>
-          <p:cNvPr id="2" name="Заголовок 1">
-            <a:extLst>
-              <a:ext uri="{FF2B5EF4-FFF2-40B4-BE49-F238E27FC236}">
                 <a16:creationId xmlns:a16="http://schemas.microsoft.com/office/drawing/2014/main" id="{354E850D-CBA0-4150-B0CD-7F29904E342B}"/>
               </a:ext>
             </a:extLst>
@@ -9279,7 +8732,7 @@
 </p:sld>
 </file>
 
-<file path=ppt/slides/slide12.xml><?xml version="1.0" encoding="utf-8"?>
+<file path=ppt/slides/slide11.xml><?xml version="1.0" encoding="utf-8"?>
 <p:sld xmlns:a="http://schemas.openxmlformats.org/drawingml/2006/main" xmlns:r="http://schemas.openxmlformats.org/officeDocument/2006/relationships" xmlns:p="http://schemas.openxmlformats.org/presentationml/2006/main">
   <p:cSld>
     <p:spTree>
@@ -9521,7 +8974,7 @@
 </p:sld>
 </file>
 
-<file path=ppt/slides/slide13.xml><?xml version="1.0" encoding="utf-8"?>
+<file path=ppt/slides/slide12.xml><?xml version="1.0" encoding="utf-8"?>
 <p:sld xmlns:a="http://schemas.openxmlformats.org/drawingml/2006/main" xmlns:r="http://schemas.openxmlformats.org/officeDocument/2006/relationships" xmlns:p="http://schemas.openxmlformats.org/presentationml/2006/main">
   <p:cSld>
     <p:spTree>
@@ -9662,7 +9115,7 @@
 </p:sld>
 </file>
 
-<file path=ppt/slides/slide14.xml><?xml version="1.0" encoding="utf-8"?>
+<file path=ppt/slides/slide13.xml><?xml version="1.0" encoding="utf-8"?>
 <p:sld xmlns:a="http://schemas.openxmlformats.org/drawingml/2006/main" xmlns:r="http://schemas.openxmlformats.org/officeDocument/2006/relationships" xmlns:p="http://schemas.openxmlformats.org/presentationml/2006/main">
   <p:cSld>
     <p:spTree>
@@ -9815,7 +9268,7 @@
 </p:sld>
 </file>
 
-<file path=ppt/slides/slide15.xml><?xml version="1.0" encoding="utf-8"?>
+<file path=ppt/slides/slide14.xml><?xml version="1.0" encoding="utf-8"?>
 <p:sld xmlns:a="http://schemas.openxmlformats.org/drawingml/2006/main" xmlns:r="http://schemas.openxmlformats.org/officeDocument/2006/relationships" xmlns:p="http://schemas.openxmlformats.org/presentationml/2006/main">
   <p:cSld>
     <p:spTree>
@@ -9961,7 +9414,7 @@
 </p:sld>
 </file>
 
-<file path=ppt/slides/slide16.xml><?xml version="1.0" encoding="utf-8"?>
+<file path=ppt/slides/slide15.xml><?xml version="1.0" encoding="utf-8"?>
 <p:sld xmlns:a="http://schemas.openxmlformats.org/drawingml/2006/main" xmlns:r="http://schemas.openxmlformats.org/officeDocument/2006/relationships" xmlns:p="http://schemas.openxmlformats.org/presentationml/2006/main">
   <p:cSld>
     <p:spTree>
@@ -10240,7 +9693,7 @@
 </p:sld>
 </file>
 
-<file path=ppt/slides/slide17.xml><?xml version="1.0" encoding="utf-8"?>
+<file path=ppt/slides/slide16.xml><?xml version="1.0" encoding="utf-8"?>
 <p:sld xmlns:a="http://schemas.openxmlformats.org/drawingml/2006/main" xmlns:r="http://schemas.openxmlformats.org/officeDocument/2006/relationships" xmlns:p="http://schemas.openxmlformats.org/presentationml/2006/main">
   <p:cSld>
     <p:spTree>
@@ -10443,7 +9896,7 @@
 </p:sld>
 </file>
 
-<file path=ppt/slides/slide18.xml><?xml version="1.0" encoding="utf-8"?>
+<file path=ppt/slides/slide17.xml><?xml version="1.0" encoding="utf-8"?>
 <p:sld xmlns:a="http://schemas.openxmlformats.org/drawingml/2006/main" xmlns:r="http://schemas.openxmlformats.org/officeDocument/2006/relationships" xmlns:p="http://schemas.openxmlformats.org/presentationml/2006/main">
   <p:cSld>
     <p:spTree>
@@ -10580,7 +10033,7 @@
 </p:sld>
 </file>
 
-<file path=ppt/slides/slide19.xml><?xml version="1.0" encoding="utf-8"?>
+<file path=ppt/slides/slide18.xml><?xml version="1.0" encoding="utf-8"?>
 <p:sld xmlns:a="http://schemas.openxmlformats.org/drawingml/2006/main" xmlns:r="http://schemas.openxmlformats.org/officeDocument/2006/relationships" xmlns:p="http://schemas.openxmlformats.org/presentationml/2006/main">
   <p:cSld>
     <p:spTree>
@@ -10716,149 +10169,7 @@
 </p:sld>
 </file>
 
-<file path=ppt/slides/slide2.xml><?xml version="1.0" encoding="utf-8"?>
-<p:sld xmlns:a="http://schemas.openxmlformats.org/drawingml/2006/main" xmlns:r="http://schemas.openxmlformats.org/officeDocument/2006/relationships" xmlns:p="http://schemas.openxmlformats.org/presentationml/2006/main">
-  <p:cSld>
-    <p:spTree>
-      <p:nvGrpSpPr>
-        <p:cNvPr id="1" name="Shape 74"/>
-        <p:cNvGrpSpPr/>
-        <p:nvPr/>
-      </p:nvGrpSpPr>
-      <p:grpSpPr>
-        <a:xfrm>
-          <a:off x="0" y="0"/>
-          <a:ext cx="0" cy="0"/>
-          <a:chOff x="0" y="0"/>
-          <a:chExt cx="0" cy="0"/>
-        </a:xfrm>
-      </p:grpSpPr>
-      <p:sp>
-        <p:nvSpPr>
-          <p:cNvPr id="75" name="Google Shape;75;p17"/>
-          <p:cNvSpPr txBox="1">
-            <a:spLocks noGrp="1"/>
-          </p:cNvSpPr>
-          <p:nvPr>
-            <p:ph type="title"/>
-          </p:nvPr>
-        </p:nvSpPr>
-        <p:spPr>
-          <a:xfrm>
-            <a:off x="766725" y="1805199"/>
-            <a:ext cx="7935300" cy="1295700"/>
-          </a:xfrm>
-          <a:prstGeom prst="rect">
-            <a:avLst/>
-          </a:prstGeom>
-        </p:spPr>
-        <p:txBody>
-          <a:bodyPr spcFirstLastPara="1" wrap="square" lIns="91425" tIns="91425" rIns="91425" bIns="91425" anchor="ctr" anchorCtr="0">
-            <a:noAutofit/>
-          </a:bodyPr>
-          <a:lstStyle/>
-          <a:p>
-            <a:pPr marL="0" lvl="0" indent="0" algn="l" rtl="0">
-              <a:spcBef>
-                <a:spcPts val="0"/>
-              </a:spcBef>
-              <a:spcAft>
-                <a:spcPts val="0"/>
-              </a:spcAft>
-              <a:buClr>
-                <a:schemeClr val="dk1"/>
-              </a:buClr>
-              <a:buSzPts val="1100"/>
-              <a:buFont typeface="Arial"/>
-              <a:buNone/>
-            </a:pPr>
-            <a:r>
-              <a:rPr lang="ru" sz="4000"/>
-              <a:t>Меня хорошо видно</a:t>
-            </a:r>
-            <a:endParaRPr sz="4000"/>
-          </a:p>
-          <a:p>
-            <a:pPr marL="0" lvl="0" indent="0" algn="l" rtl="0">
-              <a:spcBef>
-                <a:spcPts val="0"/>
-              </a:spcBef>
-              <a:spcAft>
-                <a:spcPts val="0"/>
-              </a:spcAft>
-              <a:buNone/>
-            </a:pPr>
-            <a:r>
-              <a:rPr lang="ru" sz="4000"/>
-              <a:t>&amp; слышно?</a:t>
-            </a:r>
-            <a:endParaRPr sz="4000"/>
-          </a:p>
-        </p:txBody>
-      </p:sp>
-      <p:pic>
-        <p:nvPicPr>
-          <p:cNvPr id="76" name="Google Shape;76;p17"/>
-          <p:cNvPicPr preferRelativeResize="0"/>
-          <p:nvPr/>
-        </p:nvPicPr>
-        <p:blipFill rotWithShape="1">
-          <a:blip r:embed="rId3">
-            <a:alphaModFix/>
-          </a:blip>
-          <a:srcRect/>
-          <a:stretch/>
-        </p:blipFill>
-        <p:spPr>
-          <a:xfrm>
-            <a:off x="857275" y="3516281"/>
-            <a:ext cx="526796" cy="526800"/>
-          </a:xfrm>
-          <a:prstGeom prst="rect">
-            <a:avLst/>
-          </a:prstGeom>
-          <a:noFill/>
-          <a:ln>
-            <a:noFill/>
-          </a:ln>
-        </p:spPr>
-      </p:pic>
-      <p:pic>
-        <p:nvPicPr>
-          <p:cNvPr id="77" name="Google Shape;77;p17"/>
-          <p:cNvPicPr preferRelativeResize="0"/>
-          <p:nvPr/>
-        </p:nvPicPr>
-        <p:blipFill rotWithShape="1">
-          <a:blip r:embed="rId4">
-            <a:alphaModFix/>
-          </a:blip>
-          <a:srcRect/>
-          <a:stretch/>
-        </p:blipFill>
-        <p:spPr>
-          <a:xfrm>
-            <a:off x="1584856" y="3516281"/>
-            <a:ext cx="526796" cy="526800"/>
-          </a:xfrm>
-          <a:prstGeom prst="rect">
-            <a:avLst/>
-          </a:prstGeom>
-          <a:noFill/>
-          <a:ln>
-            <a:noFill/>
-          </a:ln>
-        </p:spPr>
-      </p:pic>
-    </p:spTree>
-  </p:cSld>
-  <p:clrMapOvr>
-    <a:masterClrMapping/>
-  </p:clrMapOvr>
-</p:sld>
-</file>
-
-<file path=ppt/slides/slide20.xml><?xml version="1.0" encoding="utf-8"?>
+<file path=ppt/slides/slide19.xml><?xml version="1.0" encoding="utf-8"?>
 <p:sld xmlns:a="http://schemas.openxmlformats.org/drawingml/2006/main" xmlns:r="http://schemas.openxmlformats.org/officeDocument/2006/relationships" xmlns:p="http://schemas.openxmlformats.org/presentationml/2006/main">
   <p:cSld>
     <p:spTree>
@@ -11099,7 +10410,326 @@
 </p:sld>
 </file>
 
-<file path=ppt/slides/slide21.xml><?xml version="1.0" encoding="utf-8"?>
+<file path=ppt/slides/slide2.xml><?xml version="1.0" encoding="utf-8"?>
+<p:sld xmlns:a="http://schemas.openxmlformats.org/drawingml/2006/main" xmlns:r="http://schemas.openxmlformats.org/officeDocument/2006/relationships" xmlns:p="http://schemas.openxmlformats.org/presentationml/2006/main">
+  <p:cSld>
+    <p:spTree>
+      <p:nvGrpSpPr>
+        <p:cNvPr id="1" name="Shape 81"/>
+        <p:cNvGrpSpPr/>
+        <p:nvPr/>
+      </p:nvGrpSpPr>
+      <p:grpSpPr>
+        <a:xfrm>
+          <a:off x="0" y="0"/>
+          <a:ext cx="0" cy="0"/>
+          <a:chOff x="0" y="0"/>
+          <a:chExt cx="0" cy="0"/>
+        </a:xfrm>
+      </p:grpSpPr>
+      <p:sp>
+        <p:nvSpPr>
+          <p:cNvPr id="82" name="Google Shape;82;p18"/>
+          <p:cNvSpPr/>
+          <p:nvPr/>
+        </p:nvSpPr>
+        <p:spPr>
+          <a:xfrm>
+            <a:off x="630000" y="2716325"/>
+            <a:ext cx="1033800" cy="1983600"/>
+          </a:xfrm>
+          <a:prstGeom prst="rect">
+            <a:avLst/>
+          </a:prstGeom>
+          <a:solidFill>
+            <a:schemeClr val="accent4"/>
+          </a:solidFill>
+          <a:ln>
+            <a:noFill/>
+          </a:ln>
+        </p:spPr>
+        <p:txBody>
+          <a:bodyPr spcFirstLastPara="1" wrap="square" lIns="91425" tIns="91425" rIns="91425" bIns="91425" anchor="ctr" anchorCtr="0">
+            <a:noAutofit/>
+          </a:bodyPr>
+          <a:lstStyle/>
+          <a:p>
+            <a:pPr marL="0" lvl="0" indent="0" algn="l" rtl="0">
+              <a:spcBef>
+                <a:spcPts val="0"/>
+              </a:spcBef>
+              <a:spcAft>
+                <a:spcPts val="0"/>
+              </a:spcAft>
+              <a:buNone/>
+            </a:pPr>
+            <a:endParaRPr/>
+          </a:p>
+        </p:txBody>
+      </p:sp>
+      <p:sp>
+        <p:nvSpPr>
+          <p:cNvPr id="84" name="Google Shape;84;p18"/>
+          <p:cNvSpPr txBox="1">
+            <a:spLocks noGrp="1"/>
+          </p:cNvSpPr>
+          <p:nvPr>
+            <p:ph type="title"/>
+          </p:nvPr>
+        </p:nvSpPr>
+        <p:spPr>
+          <a:xfrm>
+            <a:off x="500550" y="821213"/>
+            <a:ext cx="8520600" cy="1983600"/>
+          </a:xfrm>
+          <a:prstGeom prst="rect">
+            <a:avLst/>
+          </a:prstGeom>
+        </p:spPr>
+        <p:txBody>
+          <a:bodyPr spcFirstLastPara="1" wrap="square" lIns="91425" tIns="91425" rIns="91425" bIns="91425" anchor="t" anchorCtr="0">
+            <a:noAutofit/>
+          </a:bodyPr>
+          <a:lstStyle/>
+          <a:p>
+            <a:pPr marL="0" lvl="0" indent="0" algn="ctr" rtl="0">
+              <a:spcBef>
+                <a:spcPts val="0"/>
+              </a:spcBef>
+              <a:spcAft>
+                <a:spcPts val="0"/>
+              </a:spcAft>
+              <a:buClr>
+                <a:schemeClr val="dk1"/>
+              </a:buClr>
+              <a:buSzPts val="1100"/>
+              <a:buFont typeface="Arial"/>
+              <a:buNone/>
+            </a:pPr>
+            <a:r>
+              <a:rPr lang="ru" sz="2800" dirty="0"/>
+              <a:t>Защита проекта</a:t>
+            </a:r>
+            <a:endParaRPr sz="2800" dirty="0"/>
+          </a:p>
+          <a:p>
+            <a:pPr marL="0" lvl="0" indent="0" algn="l" rtl="0">
+              <a:spcBef>
+                <a:spcPts val="0"/>
+              </a:spcBef>
+              <a:spcAft>
+                <a:spcPts val="0"/>
+              </a:spcAft>
+              <a:buClr>
+                <a:schemeClr val="dk1"/>
+              </a:buClr>
+              <a:buSzPts val="1100"/>
+              <a:buFont typeface="Arial"/>
+              <a:buNone/>
+            </a:pPr>
+            <a:r>
+              <a:rPr lang="ru" sz="2800" dirty="0"/>
+              <a:t>Тема: </a:t>
+            </a:r>
+            <a:r>
+              <a:rPr lang="ru-RU" sz="2800" dirty="0"/>
+              <a:t>Отказоустойчивая сеть компании с консервативным подходом к проектированию</a:t>
+            </a:r>
+            <a:endParaRPr sz="4400" dirty="0"/>
+          </a:p>
+          <a:p>
+            <a:pPr marL="0" lvl="0" indent="0" algn="l" rtl="0">
+              <a:spcBef>
+                <a:spcPts val="0"/>
+              </a:spcBef>
+              <a:spcAft>
+                <a:spcPts val="0"/>
+              </a:spcAft>
+              <a:buClr>
+                <a:schemeClr val="dk1"/>
+              </a:buClr>
+              <a:buSzPts val="1100"/>
+              <a:buFont typeface="Arial"/>
+              <a:buNone/>
+            </a:pPr>
+            <a:endParaRPr dirty="0"/>
+          </a:p>
+          <a:p>
+            <a:pPr marL="0" lvl="0" indent="0" algn="l" rtl="0">
+              <a:spcBef>
+                <a:spcPts val="0"/>
+              </a:spcBef>
+              <a:spcAft>
+                <a:spcPts val="0"/>
+              </a:spcAft>
+              <a:buNone/>
+            </a:pPr>
+            <a:endParaRPr dirty="0"/>
+          </a:p>
+        </p:txBody>
+      </p:sp>
+      <p:sp>
+        <p:nvSpPr>
+          <p:cNvPr id="85" name="Google Shape;85;p18"/>
+          <p:cNvSpPr txBox="1"/>
+          <p:nvPr/>
+        </p:nvSpPr>
+        <p:spPr>
+          <a:xfrm>
+            <a:off x="3123850" y="2716325"/>
+            <a:ext cx="5856300" cy="783300"/>
+          </a:xfrm>
+          <a:prstGeom prst="rect">
+            <a:avLst/>
+          </a:prstGeom>
+          <a:noFill/>
+          <a:ln>
+            <a:noFill/>
+          </a:ln>
+        </p:spPr>
+        <p:txBody>
+          <a:bodyPr spcFirstLastPara="1" wrap="square" lIns="91425" tIns="91425" rIns="91425" bIns="91425" anchor="t" anchorCtr="0">
+            <a:normAutofit/>
+          </a:bodyPr>
+          <a:lstStyle/>
+          <a:p>
+            <a:pPr marL="0" lvl="0" indent="0" algn="l" rtl="0">
+              <a:spcBef>
+                <a:spcPts val="0"/>
+              </a:spcBef>
+              <a:spcAft>
+                <a:spcPts val="0"/>
+              </a:spcAft>
+              <a:buNone/>
+            </a:pPr>
+            <a:r>
+              <a:rPr lang="ru" b="1" dirty="0">
+                <a:solidFill>
+                  <a:srgbClr val="000000"/>
+                </a:solidFill>
+                <a:latin typeface="Roboto"/>
+                <a:ea typeface="Roboto"/>
+                <a:cs typeface="Roboto"/>
+                <a:sym typeface="Roboto"/>
+              </a:rPr>
+              <a:t>Соколов Андрей Алексеевич</a:t>
+            </a:r>
+            <a:endParaRPr b="1" dirty="0">
+              <a:solidFill>
+                <a:srgbClr val="000000"/>
+              </a:solidFill>
+              <a:latin typeface="Roboto"/>
+              <a:ea typeface="Roboto"/>
+              <a:cs typeface="Roboto"/>
+              <a:sym typeface="Roboto"/>
+            </a:endParaRPr>
+          </a:p>
+        </p:txBody>
+      </p:sp>
+      <p:sp>
+        <p:nvSpPr>
+          <p:cNvPr id="86" name="Google Shape;86;p18"/>
+          <p:cNvSpPr txBox="1"/>
+          <p:nvPr/>
+        </p:nvSpPr>
+        <p:spPr>
+          <a:xfrm>
+            <a:off x="3123850" y="3279300"/>
+            <a:ext cx="5856300" cy="1377000"/>
+          </a:xfrm>
+          <a:prstGeom prst="rect">
+            <a:avLst/>
+          </a:prstGeom>
+          <a:noFill/>
+          <a:ln>
+            <a:noFill/>
+          </a:ln>
+        </p:spPr>
+        <p:txBody>
+          <a:bodyPr spcFirstLastPara="1" wrap="square" lIns="91425" tIns="91425" rIns="91425" bIns="91425" anchor="t" anchorCtr="0">
+            <a:normAutofit/>
+          </a:bodyPr>
+          <a:lstStyle/>
+          <a:p>
+            <a:pPr marL="0" lvl="0" indent="0" algn="l" rtl="0">
+              <a:spcBef>
+                <a:spcPts val="0"/>
+              </a:spcBef>
+              <a:spcAft>
+                <a:spcPts val="0"/>
+              </a:spcAft>
+              <a:buNone/>
+            </a:pPr>
+            <a:r>
+              <a:rPr lang="ru" dirty="0">
+                <a:latin typeface="Roboto"/>
+                <a:ea typeface="Roboto"/>
+                <a:sym typeface="Roboto"/>
+              </a:rPr>
+              <a:t>Должность: Сетевой инженер</a:t>
+            </a:r>
+            <a:endParaRPr dirty="0">
+              <a:latin typeface="Roboto"/>
+              <a:ea typeface="Roboto"/>
+              <a:sym typeface="Roboto"/>
+            </a:endParaRPr>
+          </a:p>
+          <a:p>
+            <a:pPr marL="0" lvl="0" indent="0" algn="l" rtl="0">
+              <a:spcBef>
+                <a:spcPts val="0"/>
+              </a:spcBef>
+              <a:spcAft>
+                <a:spcPts val="0"/>
+              </a:spcAft>
+              <a:buNone/>
+            </a:pPr>
+            <a:r>
+              <a:rPr lang="ru" dirty="0">
+                <a:latin typeface="Roboto"/>
+                <a:ea typeface="Roboto"/>
+                <a:sym typeface="Roboto"/>
+              </a:rPr>
+              <a:t>Компания: </a:t>
+            </a:r>
+            <a:r>
+              <a:rPr lang="ru-RU" dirty="0">
+                <a:latin typeface="Roboto"/>
+                <a:ea typeface="Roboto"/>
+              </a:rPr>
+              <a:t>ООО «</a:t>
+            </a:r>
+            <a:r>
+              <a:rPr lang="ru-RU" dirty="0" err="1">
+                <a:latin typeface="Roboto"/>
+                <a:ea typeface="Roboto"/>
+              </a:rPr>
+              <a:t>Скайстрим</a:t>
+            </a:r>
+            <a:r>
+              <a:rPr lang="ru-RU" dirty="0">
+                <a:latin typeface="Roboto"/>
+                <a:ea typeface="Roboto"/>
+              </a:rPr>
+              <a:t>»</a:t>
+            </a:r>
+            <a:endParaRPr dirty="0">
+              <a:latin typeface="Roboto"/>
+              <a:ea typeface="Roboto"/>
+              <a:sym typeface="Roboto"/>
+            </a:endParaRPr>
+          </a:p>
+        </p:txBody>
+      </p:sp>
+    </p:spTree>
+  </p:cSld>
+  <p:clrMapOvr>
+    <a:masterClrMapping/>
+  </p:clrMapOvr>
+</p:sld>
+</file>
+
+<file path=ppt/slides/slide20.xml><?xml version="1.0" encoding="utf-8"?>
 <p:sld xmlns:a="http://schemas.openxmlformats.org/drawingml/2006/main" xmlns:r="http://schemas.openxmlformats.org/officeDocument/2006/relationships" xmlns:p="http://schemas.openxmlformats.org/presentationml/2006/main">
   <p:cSld>
     <p:spTree>
@@ -11271,7 +10901,7 @@
 </p:sld>
 </file>
 
-<file path=ppt/slides/slide22.xml><?xml version="1.0" encoding="utf-8"?>
+<file path=ppt/slides/slide21.xml><?xml version="1.0" encoding="utf-8"?>
 <p:sld xmlns:a="http://schemas.openxmlformats.org/drawingml/2006/main" xmlns:r="http://schemas.openxmlformats.org/officeDocument/2006/relationships" xmlns:p="http://schemas.openxmlformats.org/presentationml/2006/main">
   <p:cSld>
     <p:spTree>
@@ -11363,325 +10993,6 @@
 </file>
 
 <file path=ppt/slides/slide3.xml><?xml version="1.0" encoding="utf-8"?>
-<p:sld xmlns:a="http://schemas.openxmlformats.org/drawingml/2006/main" xmlns:r="http://schemas.openxmlformats.org/officeDocument/2006/relationships" xmlns:p="http://schemas.openxmlformats.org/presentationml/2006/main">
-  <p:cSld>
-    <p:spTree>
-      <p:nvGrpSpPr>
-        <p:cNvPr id="1" name="Shape 81"/>
-        <p:cNvGrpSpPr/>
-        <p:nvPr/>
-      </p:nvGrpSpPr>
-      <p:grpSpPr>
-        <a:xfrm>
-          <a:off x="0" y="0"/>
-          <a:ext cx="0" cy="0"/>
-          <a:chOff x="0" y="0"/>
-          <a:chExt cx="0" cy="0"/>
-        </a:xfrm>
-      </p:grpSpPr>
-      <p:sp>
-        <p:nvSpPr>
-          <p:cNvPr id="82" name="Google Shape;82;p18"/>
-          <p:cNvSpPr/>
-          <p:nvPr/>
-        </p:nvSpPr>
-        <p:spPr>
-          <a:xfrm>
-            <a:off x="630000" y="2716325"/>
-            <a:ext cx="1033800" cy="1983600"/>
-          </a:xfrm>
-          <a:prstGeom prst="rect">
-            <a:avLst/>
-          </a:prstGeom>
-          <a:solidFill>
-            <a:schemeClr val="accent4"/>
-          </a:solidFill>
-          <a:ln>
-            <a:noFill/>
-          </a:ln>
-        </p:spPr>
-        <p:txBody>
-          <a:bodyPr spcFirstLastPara="1" wrap="square" lIns="91425" tIns="91425" rIns="91425" bIns="91425" anchor="ctr" anchorCtr="0">
-            <a:noAutofit/>
-          </a:bodyPr>
-          <a:lstStyle/>
-          <a:p>
-            <a:pPr marL="0" lvl="0" indent="0" algn="l" rtl="0">
-              <a:spcBef>
-                <a:spcPts val="0"/>
-              </a:spcBef>
-              <a:spcAft>
-                <a:spcPts val="0"/>
-              </a:spcAft>
-              <a:buNone/>
-            </a:pPr>
-            <a:endParaRPr/>
-          </a:p>
-        </p:txBody>
-      </p:sp>
-      <p:sp>
-        <p:nvSpPr>
-          <p:cNvPr id="84" name="Google Shape;84;p18"/>
-          <p:cNvSpPr txBox="1">
-            <a:spLocks noGrp="1"/>
-          </p:cNvSpPr>
-          <p:nvPr>
-            <p:ph type="title"/>
-          </p:nvPr>
-        </p:nvSpPr>
-        <p:spPr>
-          <a:xfrm>
-            <a:off x="500550" y="821213"/>
-            <a:ext cx="8520600" cy="1983600"/>
-          </a:xfrm>
-          <a:prstGeom prst="rect">
-            <a:avLst/>
-          </a:prstGeom>
-        </p:spPr>
-        <p:txBody>
-          <a:bodyPr spcFirstLastPara="1" wrap="square" lIns="91425" tIns="91425" rIns="91425" bIns="91425" anchor="t" anchorCtr="0">
-            <a:noAutofit/>
-          </a:bodyPr>
-          <a:lstStyle/>
-          <a:p>
-            <a:pPr marL="0" lvl="0" indent="0" algn="ctr" rtl="0">
-              <a:spcBef>
-                <a:spcPts val="0"/>
-              </a:spcBef>
-              <a:spcAft>
-                <a:spcPts val="0"/>
-              </a:spcAft>
-              <a:buClr>
-                <a:schemeClr val="dk1"/>
-              </a:buClr>
-              <a:buSzPts val="1100"/>
-              <a:buFont typeface="Arial"/>
-              <a:buNone/>
-            </a:pPr>
-            <a:r>
-              <a:rPr lang="ru" sz="2800" dirty="0"/>
-              <a:t>Защита проекта</a:t>
-            </a:r>
-            <a:endParaRPr sz="2800" dirty="0"/>
-          </a:p>
-          <a:p>
-            <a:pPr marL="0" lvl="0" indent="0" algn="l" rtl="0">
-              <a:spcBef>
-                <a:spcPts val="0"/>
-              </a:spcBef>
-              <a:spcAft>
-                <a:spcPts val="0"/>
-              </a:spcAft>
-              <a:buClr>
-                <a:schemeClr val="dk1"/>
-              </a:buClr>
-              <a:buSzPts val="1100"/>
-              <a:buFont typeface="Arial"/>
-              <a:buNone/>
-            </a:pPr>
-            <a:r>
-              <a:rPr lang="ru" sz="2800" dirty="0"/>
-              <a:t>Тема: </a:t>
-            </a:r>
-            <a:r>
-              <a:rPr lang="ru-RU" sz="2800" dirty="0"/>
-              <a:t>Отказоустойчивая сеть компании с консервативным подходом к проектированию</a:t>
-            </a:r>
-            <a:endParaRPr sz="4400" dirty="0"/>
-          </a:p>
-          <a:p>
-            <a:pPr marL="0" lvl="0" indent="0" algn="l" rtl="0">
-              <a:spcBef>
-                <a:spcPts val="0"/>
-              </a:spcBef>
-              <a:spcAft>
-                <a:spcPts val="0"/>
-              </a:spcAft>
-              <a:buClr>
-                <a:schemeClr val="dk1"/>
-              </a:buClr>
-              <a:buSzPts val="1100"/>
-              <a:buFont typeface="Arial"/>
-              <a:buNone/>
-            </a:pPr>
-            <a:endParaRPr dirty="0"/>
-          </a:p>
-          <a:p>
-            <a:pPr marL="0" lvl="0" indent="0" algn="l" rtl="0">
-              <a:spcBef>
-                <a:spcPts val="0"/>
-              </a:spcBef>
-              <a:spcAft>
-                <a:spcPts val="0"/>
-              </a:spcAft>
-              <a:buNone/>
-            </a:pPr>
-            <a:endParaRPr dirty="0"/>
-          </a:p>
-        </p:txBody>
-      </p:sp>
-      <p:sp>
-        <p:nvSpPr>
-          <p:cNvPr id="85" name="Google Shape;85;p18"/>
-          <p:cNvSpPr txBox="1"/>
-          <p:nvPr/>
-        </p:nvSpPr>
-        <p:spPr>
-          <a:xfrm>
-            <a:off x="3123850" y="2716325"/>
-            <a:ext cx="5856300" cy="783300"/>
-          </a:xfrm>
-          <a:prstGeom prst="rect">
-            <a:avLst/>
-          </a:prstGeom>
-          <a:noFill/>
-          <a:ln>
-            <a:noFill/>
-          </a:ln>
-        </p:spPr>
-        <p:txBody>
-          <a:bodyPr spcFirstLastPara="1" wrap="square" lIns="91425" tIns="91425" rIns="91425" bIns="91425" anchor="t" anchorCtr="0">
-            <a:normAutofit/>
-          </a:bodyPr>
-          <a:lstStyle/>
-          <a:p>
-            <a:pPr marL="0" lvl="0" indent="0" algn="l" rtl="0">
-              <a:spcBef>
-                <a:spcPts val="0"/>
-              </a:spcBef>
-              <a:spcAft>
-                <a:spcPts val="0"/>
-              </a:spcAft>
-              <a:buNone/>
-            </a:pPr>
-            <a:r>
-              <a:rPr lang="ru" b="1" dirty="0">
-                <a:solidFill>
-                  <a:srgbClr val="000000"/>
-                </a:solidFill>
-                <a:latin typeface="Roboto"/>
-                <a:ea typeface="Roboto"/>
-                <a:cs typeface="Roboto"/>
-                <a:sym typeface="Roboto"/>
-              </a:rPr>
-              <a:t>Соколов Андрей Алексеевич</a:t>
-            </a:r>
-            <a:endParaRPr b="1" dirty="0">
-              <a:solidFill>
-                <a:srgbClr val="000000"/>
-              </a:solidFill>
-              <a:latin typeface="Roboto"/>
-              <a:ea typeface="Roboto"/>
-              <a:cs typeface="Roboto"/>
-              <a:sym typeface="Roboto"/>
-            </a:endParaRPr>
-          </a:p>
-        </p:txBody>
-      </p:sp>
-      <p:sp>
-        <p:nvSpPr>
-          <p:cNvPr id="86" name="Google Shape;86;p18"/>
-          <p:cNvSpPr txBox="1"/>
-          <p:nvPr/>
-        </p:nvSpPr>
-        <p:spPr>
-          <a:xfrm>
-            <a:off x="3123850" y="3279300"/>
-            <a:ext cx="5856300" cy="1377000"/>
-          </a:xfrm>
-          <a:prstGeom prst="rect">
-            <a:avLst/>
-          </a:prstGeom>
-          <a:noFill/>
-          <a:ln>
-            <a:noFill/>
-          </a:ln>
-        </p:spPr>
-        <p:txBody>
-          <a:bodyPr spcFirstLastPara="1" wrap="square" lIns="91425" tIns="91425" rIns="91425" bIns="91425" anchor="t" anchorCtr="0">
-            <a:normAutofit/>
-          </a:bodyPr>
-          <a:lstStyle/>
-          <a:p>
-            <a:pPr marL="0" lvl="0" indent="0" algn="l" rtl="0">
-              <a:spcBef>
-                <a:spcPts val="0"/>
-              </a:spcBef>
-              <a:spcAft>
-                <a:spcPts val="0"/>
-              </a:spcAft>
-              <a:buNone/>
-            </a:pPr>
-            <a:r>
-              <a:rPr lang="ru" dirty="0">
-                <a:latin typeface="Roboto"/>
-                <a:ea typeface="Roboto"/>
-                <a:sym typeface="Roboto"/>
-              </a:rPr>
-              <a:t>Должность: Сетевой инженер</a:t>
-            </a:r>
-            <a:endParaRPr dirty="0">
-              <a:latin typeface="Roboto"/>
-              <a:ea typeface="Roboto"/>
-              <a:sym typeface="Roboto"/>
-            </a:endParaRPr>
-          </a:p>
-          <a:p>
-            <a:pPr marL="0" lvl="0" indent="0" algn="l" rtl="0">
-              <a:spcBef>
-                <a:spcPts val="0"/>
-              </a:spcBef>
-              <a:spcAft>
-                <a:spcPts val="0"/>
-              </a:spcAft>
-              <a:buNone/>
-            </a:pPr>
-            <a:r>
-              <a:rPr lang="ru" dirty="0">
-                <a:latin typeface="Roboto"/>
-                <a:ea typeface="Roboto"/>
-                <a:sym typeface="Roboto"/>
-              </a:rPr>
-              <a:t>Компания: </a:t>
-            </a:r>
-            <a:r>
-              <a:rPr lang="ru-RU" dirty="0">
-                <a:latin typeface="Roboto"/>
-                <a:ea typeface="Roboto"/>
-              </a:rPr>
-              <a:t>ООО «</a:t>
-            </a:r>
-            <a:r>
-              <a:rPr lang="ru-RU" dirty="0" err="1">
-                <a:latin typeface="Roboto"/>
-                <a:ea typeface="Roboto"/>
-              </a:rPr>
-              <a:t>Скайстрим</a:t>
-            </a:r>
-            <a:r>
-              <a:rPr lang="ru-RU" dirty="0">
-                <a:latin typeface="Roboto"/>
-                <a:ea typeface="Roboto"/>
-              </a:rPr>
-              <a:t>»</a:t>
-            </a:r>
-            <a:endParaRPr dirty="0">
-              <a:latin typeface="Roboto"/>
-              <a:ea typeface="Roboto"/>
-              <a:sym typeface="Roboto"/>
-            </a:endParaRPr>
-          </a:p>
-        </p:txBody>
-      </p:sp>
-    </p:spTree>
-  </p:cSld>
-  <p:clrMapOvr>
-    <a:masterClrMapping/>
-  </p:clrMapOvr>
-</p:sld>
-</file>
-
-<file path=ppt/slides/slide4.xml><?xml version="1.0" encoding="utf-8"?>
 <p:sld xmlns:a="http://schemas.openxmlformats.org/drawingml/2006/main" xmlns:r="http://schemas.openxmlformats.org/officeDocument/2006/relationships" xmlns:p="http://schemas.openxmlformats.org/presentationml/2006/main">
   <p:cSld>
     <p:spTree>
@@ -12780,7 +12091,7 @@
 </p:sld>
 </file>
 
-<file path=ppt/slides/slide5.xml><?xml version="1.0" encoding="utf-8"?>
+<file path=ppt/slides/slide4.xml><?xml version="1.0" encoding="utf-8"?>
 <p:sld xmlns:a="http://schemas.openxmlformats.org/drawingml/2006/main" xmlns:r="http://schemas.openxmlformats.org/officeDocument/2006/relationships" xmlns:p="http://schemas.openxmlformats.org/presentationml/2006/main">
   <p:cSld>
     <p:spTree>
@@ -14793,7 +14104,7 @@
 </p:sld>
 </file>
 
-<file path=ppt/slides/slide6.xml><?xml version="1.0" encoding="utf-8"?>
+<file path=ppt/slides/slide5.xml><?xml version="1.0" encoding="utf-8"?>
 <p:sld xmlns:a="http://schemas.openxmlformats.org/drawingml/2006/main" xmlns:r="http://schemas.openxmlformats.org/officeDocument/2006/relationships" xmlns:p="http://schemas.openxmlformats.org/presentationml/2006/main">
   <p:cSld>
     <p:spTree>
@@ -14857,7 +14168,7 @@
 </p:sld>
 </file>
 
-<file path=ppt/slides/slide7.xml><?xml version="1.0" encoding="utf-8"?>
+<file path=ppt/slides/slide6.xml><?xml version="1.0" encoding="utf-8"?>
 <p:sld xmlns:a="http://schemas.openxmlformats.org/drawingml/2006/main" xmlns:r="http://schemas.openxmlformats.org/officeDocument/2006/relationships" xmlns:p="http://schemas.openxmlformats.org/presentationml/2006/main">
   <p:cSld>
     <p:spTree>
@@ -14950,7 +14261,7 @@
 </p:sld>
 </file>
 
-<file path=ppt/slides/slide8.xml><?xml version="1.0" encoding="utf-8"?>
+<file path=ppt/slides/slide7.xml><?xml version="1.0" encoding="utf-8"?>
 <p:sld xmlns:a="http://schemas.openxmlformats.org/drawingml/2006/main" xmlns:r="http://schemas.openxmlformats.org/officeDocument/2006/relationships" xmlns:p="http://schemas.openxmlformats.org/presentationml/2006/main">
   <p:cSld>
     <p:spTree>
@@ -15051,7 +14362,7 @@
 </p:sld>
 </file>
 
-<file path=ppt/slides/slide9.xml><?xml version="1.0" encoding="utf-8"?>
+<file path=ppt/slides/slide8.xml><?xml version="1.0" encoding="utf-8"?>
 <p:sld xmlns:a="http://schemas.openxmlformats.org/drawingml/2006/main" xmlns:r="http://schemas.openxmlformats.org/officeDocument/2006/relationships" xmlns:p="http://schemas.openxmlformats.org/presentationml/2006/main">
   <p:cSld>
     <p:spTree>
@@ -15422,6 +14733,213 @@
         </p:spPr>
       </p:pic>
     </p:spTree>
+  </p:cSld>
+  <p:clrMapOvr>
+    <a:masterClrMapping/>
+  </p:clrMapOvr>
+</p:sld>
+</file>
+
+<file path=ppt/slides/slide9.xml><?xml version="1.0" encoding="utf-8"?>
+<p:sld xmlns:a="http://schemas.openxmlformats.org/drawingml/2006/main" xmlns:r="http://schemas.openxmlformats.org/officeDocument/2006/relationships" xmlns:p="http://schemas.openxmlformats.org/presentationml/2006/main">
+  <p:cSld>
+    <p:spTree>
+      <p:nvGrpSpPr>
+        <p:cNvPr id="1" name=""/>
+        <p:cNvGrpSpPr/>
+        <p:nvPr/>
+      </p:nvGrpSpPr>
+      <p:grpSpPr>
+        <a:xfrm>
+          <a:off x="0" y="0"/>
+          <a:ext cx="0" cy="0"/>
+          <a:chOff x="0" y="0"/>
+          <a:chExt cx="0" cy="0"/>
+        </a:xfrm>
+      </p:grpSpPr>
+      <p:sp>
+        <p:nvSpPr>
+          <p:cNvPr id="2" name="Заголовок 1">
+            <a:extLst>
+              <a:ext uri="{FF2B5EF4-FFF2-40B4-BE49-F238E27FC236}">
+                <a16:creationId xmlns:a16="http://schemas.microsoft.com/office/drawing/2014/main" id="{4B3CDE2E-8E45-4288-B8A7-79430A544105}"/>
+              </a:ext>
+            </a:extLst>
+          </p:cNvPr>
+          <p:cNvSpPr>
+            <a:spLocks noGrp="1"/>
+          </p:cNvSpPr>
+          <p:nvPr>
+            <p:ph type="title"/>
+          </p:nvPr>
+        </p:nvSpPr>
+        <p:spPr>
+          <a:xfrm>
+            <a:off x="500550" y="330724"/>
+            <a:ext cx="8520600" cy="618312"/>
+          </a:xfrm>
+        </p:spPr>
+        <p:txBody>
+          <a:bodyPr/>
+          <a:lstStyle/>
+          <a:p>
+            <a:r>
+              <a:rPr lang="ru-RU" dirty="0" err="1"/>
+              <a:t>Межвлановая</a:t>
+            </a:r>
+            <a:r>
+              <a:rPr lang="ru-RU" dirty="0"/>
+              <a:t> маршрутизация</a:t>
+            </a:r>
+          </a:p>
+        </p:txBody>
+      </p:sp>
+      <p:pic>
+        <p:nvPicPr>
+          <p:cNvPr id="4" name="Рисунок 3">
+            <a:extLst>
+              <a:ext uri="{FF2B5EF4-FFF2-40B4-BE49-F238E27FC236}">
+                <a16:creationId xmlns:a16="http://schemas.microsoft.com/office/drawing/2014/main" id="{026CA67C-0233-4B92-A399-5BC9F13F0427}"/>
+              </a:ext>
+            </a:extLst>
+          </p:cNvPr>
+          <p:cNvPicPr>
+            <a:picLocks noChangeAspect="1"/>
+          </p:cNvPicPr>
+          <p:nvPr/>
+        </p:nvPicPr>
+        <p:blipFill>
+          <a:blip r:embed="rId2"/>
+          <a:stretch>
+            <a:fillRect/>
+          </a:stretch>
+        </p:blipFill>
+        <p:spPr>
+          <a:xfrm>
+            <a:off x="500550" y="1429995"/>
+            <a:ext cx="1376741" cy="3454841"/>
+          </a:xfrm>
+          <a:prstGeom prst="rect">
+            <a:avLst/>
+          </a:prstGeom>
+        </p:spPr>
+      </p:pic>
+      <p:sp>
+        <p:nvSpPr>
+          <p:cNvPr id="5" name="TextBox 4">
+            <a:extLst>
+              <a:ext uri="{FF2B5EF4-FFF2-40B4-BE49-F238E27FC236}">
+                <a16:creationId xmlns:a16="http://schemas.microsoft.com/office/drawing/2014/main" id="{1E01A71A-D0AA-4EB3-A06A-5C1E290A7940}"/>
+              </a:ext>
+            </a:extLst>
+          </p:cNvPr>
+          <p:cNvSpPr txBox="1"/>
+          <p:nvPr/>
+        </p:nvSpPr>
+        <p:spPr>
+          <a:xfrm>
+            <a:off x="422564" y="1122218"/>
+            <a:ext cx="1726755" cy="307777"/>
+          </a:xfrm>
+          <a:prstGeom prst="rect">
+            <a:avLst/>
+          </a:prstGeom>
+          <a:noFill/>
+        </p:spPr>
+        <p:txBody>
+          <a:bodyPr wrap="none" rtlCol="0">
+            <a:spAutoFit/>
+          </a:bodyPr>
+          <a:lstStyle/>
+          <a:p>
+            <a:r>
+              <a:rPr lang="ru-RU" dirty="0"/>
+              <a:t>Добавление </a:t>
+            </a:r>
+            <a:r>
+              <a:rPr lang="en-US" dirty="0"/>
+              <a:t>VLAN</a:t>
+            </a:r>
+            <a:endParaRPr lang="ru-RU" dirty="0"/>
+          </a:p>
+        </p:txBody>
+      </p:sp>
+      <p:pic>
+        <p:nvPicPr>
+          <p:cNvPr id="7" name="Рисунок 6">
+            <a:extLst>
+              <a:ext uri="{FF2B5EF4-FFF2-40B4-BE49-F238E27FC236}">
+                <a16:creationId xmlns:a16="http://schemas.microsoft.com/office/drawing/2014/main" id="{D834D249-9EF0-4CCD-A702-DF33F277875E}"/>
+              </a:ext>
+            </a:extLst>
+          </p:cNvPr>
+          <p:cNvPicPr>
+            <a:picLocks noChangeAspect="1"/>
+          </p:cNvPicPr>
+          <p:nvPr/>
+        </p:nvPicPr>
+        <p:blipFill>
+          <a:blip r:embed="rId3"/>
+          <a:stretch>
+            <a:fillRect/>
+          </a:stretch>
+        </p:blipFill>
+        <p:spPr>
+          <a:xfrm>
+            <a:off x="3122345" y="1429995"/>
+            <a:ext cx="2585728" cy="2043956"/>
+          </a:xfrm>
+          <a:prstGeom prst="rect">
+            <a:avLst/>
+          </a:prstGeom>
+        </p:spPr>
+      </p:pic>
+      <p:sp>
+        <p:nvSpPr>
+          <p:cNvPr id="8" name="TextBox 7">
+            <a:extLst>
+              <a:ext uri="{FF2B5EF4-FFF2-40B4-BE49-F238E27FC236}">
+                <a16:creationId xmlns:a16="http://schemas.microsoft.com/office/drawing/2014/main" id="{9C6D7A9D-39C4-4C9E-839B-746BBC26BB39}"/>
+              </a:ext>
+            </a:extLst>
+          </p:cNvPr>
+          <p:cNvSpPr txBox="1"/>
+          <p:nvPr/>
+        </p:nvSpPr>
+        <p:spPr>
+          <a:xfrm>
+            <a:off x="3048001" y="1122218"/>
+            <a:ext cx="1622560" cy="307777"/>
+          </a:xfrm>
+          <a:prstGeom prst="rect">
+            <a:avLst/>
+          </a:prstGeom>
+          <a:noFill/>
+        </p:spPr>
+        <p:txBody>
+          <a:bodyPr wrap="none" rtlCol="0">
+            <a:spAutoFit/>
+          </a:bodyPr>
+          <a:lstStyle/>
+          <a:p>
+            <a:r>
+              <a:rPr lang="ru-RU" dirty="0"/>
+              <a:t>Настройка </a:t>
+            </a:r>
+            <a:r>
+              <a:rPr lang="en-US" dirty="0"/>
+              <a:t>ROAS</a:t>
+            </a:r>
+            <a:endParaRPr lang="ru-RU" dirty="0"/>
+          </a:p>
+        </p:txBody>
+      </p:sp>
+    </p:spTree>
+    <p:extLst>
+      <p:ext uri="{BB962C8B-B14F-4D97-AF65-F5344CB8AC3E}">
+        <p14:creationId xmlns:p14="http://schemas.microsoft.com/office/powerpoint/2010/main" val="2846764495"/>
+      </p:ext>
+    </p:extLst>
   </p:cSld>
   <p:clrMapOvr>
     <a:masterClrMapping/>

--- a/Network Engineer. Basic/Проектная работа/Presentation.pptx
+++ b/Network Engineer. Basic/Проектная работа/Presentation.pptx
@@ -12,9 +12,9 @@
     <p:sldId id="258" r:id="rId3"/>
     <p:sldId id="260" r:id="rId4"/>
     <p:sldId id="261" r:id="rId5"/>
-    <p:sldId id="274" r:id="rId6"/>
-    <p:sldId id="276" r:id="rId7"/>
-    <p:sldId id="275" r:id="rId8"/>
+    <p:sldId id="276" r:id="rId6"/>
+    <p:sldId id="275" r:id="rId7"/>
+    <p:sldId id="274" r:id="rId8"/>
     <p:sldId id="262" r:id="rId9"/>
     <p:sldId id="277" r:id="rId10"/>
     <p:sldId id="278" r:id="rId11"/>
@@ -279,9 +279,9 @@
             <p14:sldId id="258"/>
             <p14:sldId id="260"/>
             <p14:sldId id="261"/>
-            <p14:sldId id="274"/>
             <p14:sldId id="276"/>
             <p14:sldId id="275"/>
+            <p14:sldId id="274"/>
             <p14:sldId id="262"/>
             <p14:sldId id="277"/>
             <p14:sldId id="278"/>
@@ -9785,36 +9785,6 @@
       </p:sp>
       <p:pic>
         <p:nvPicPr>
-          <p:cNvPr id="5" name="Рисунок 4">
-            <a:extLst>
-              <a:ext uri="{FF2B5EF4-FFF2-40B4-BE49-F238E27FC236}">
-                <a16:creationId xmlns:a16="http://schemas.microsoft.com/office/drawing/2014/main" id="{7BDA1124-5B2B-4F0E-9A3A-E84766FDCD2B}"/>
-              </a:ext>
-            </a:extLst>
-          </p:cNvPr>
-          <p:cNvPicPr>
-            <a:picLocks noChangeAspect="1"/>
-          </p:cNvPicPr>
-          <p:nvPr/>
-        </p:nvPicPr>
-        <p:blipFill>
-          <a:blip r:embed="rId2"/>
-          <a:stretch>
-            <a:fillRect/>
-          </a:stretch>
-        </p:blipFill>
-        <p:spPr>
-          <a:xfrm>
-            <a:off x="500550" y="1300853"/>
-            <a:ext cx="2979250" cy="711643"/>
-          </a:xfrm>
-          <a:prstGeom prst="rect">
-            <a:avLst/>
-          </a:prstGeom>
-        </p:spPr>
-      </p:pic>
-      <p:pic>
-        <p:nvPicPr>
           <p:cNvPr id="7" name="Рисунок 6">
             <a:extLst>
               <a:ext uri="{FF2B5EF4-FFF2-40B4-BE49-F238E27FC236}">
@@ -9828,7 +9798,7 @@
           <p:nvPr/>
         </p:nvPicPr>
         <p:blipFill>
-          <a:blip r:embed="rId3"/>
+          <a:blip r:embed="rId2"/>
           <a:stretch>
             <a:fillRect/>
           </a:stretch>
@@ -9883,6 +9853,36 @@
           </a:p>
         </p:txBody>
       </p:sp>
+      <p:pic>
+        <p:nvPicPr>
+          <p:cNvPr id="6" name="Рисунок 5">
+            <a:extLst>
+              <a:ext uri="{FF2B5EF4-FFF2-40B4-BE49-F238E27FC236}">
+                <a16:creationId xmlns:a16="http://schemas.microsoft.com/office/drawing/2014/main" id="{326AAC9D-CD50-472D-B769-EECD5EC48F19}"/>
+              </a:ext>
+            </a:extLst>
+          </p:cNvPr>
+          <p:cNvPicPr>
+            <a:picLocks noChangeAspect="1"/>
+          </p:cNvPicPr>
+          <p:nvPr/>
+        </p:nvPicPr>
+        <p:blipFill>
+          <a:blip r:embed="rId3"/>
+          <a:stretch>
+            <a:fillRect/>
+          </a:stretch>
+        </p:blipFill>
+        <p:spPr>
+          <a:xfrm>
+            <a:off x="420929" y="1279842"/>
+            <a:ext cx="3499706" cy="932380"/>
+          </a:xfrm>
+          <a:prstGeom prst="rect">
+            <a:avLst/>
+          </a:prstGeom>
+        </p:spPr>
+      </p:pic>
     </p:spTree>
     <p:extLst>
       <p:ext uri="{BB962C8B-B14F-4D97-AF65-F5344CB8AC3E}">
@@ -10069,7 +10069,7 @@
         <p:spPr>
           <a:xfrm>
             <a:off x="500550" y="330724"/>
-            <a:ext cx="8520600" cy="600152"/>
+            <a:ext cx="8520600" cy="1095900"/>
           </a:xfrm>
         </p:spPr>
         <p:txBody>
@@ -12174,7 +12174,7 @@
           <p:nvPr>
             <p:extLst>
               <p:ext uri="{D42A27DB-BD31-4B8C-83A1-F6EECF244321}">
-                <p14:modId xmlns:p14="http://schemas.microsoft.com/office/powerpoint/2010/main" val="1244994167"/>
+                <p14:modId xmlns:p14="http://schemas.microsoft.com/office/powerpoint/2010/main" val="2457971476"/>
               </p:ext>
             </p:extLst>
           </p:nvPr>
@@ -12313,7 +12313,7 @@
                           <a:cs typeface="Roboto"/>
                           <a:sym typeface="Roboto"/>
                         </a:rPr>
-                        <a:t>PaGP</a:t>
+                        <a:t>PAgP</a:t>
                       </a:r>
                       <a:endParaRPr sz="1300" dirty="0">
                         <a:latin typeface="Roboto"/>
@@ -13492,7 +13492,7 @@
           <p:nvPr>
             <p:extLst>
               <p:ext uri="{D42A27DB-BD31-4B8C-83A1-F6EECF244321}">
-                <p14:modId xmlns:p14="http://schemas.microsoft.com/office/powerpoint/2010/main" val="1401663110"/>
+                <p14:modId xmlns:p14="http://schemas.microsoft.com/office/powerpoint/2010/main" val="2346020600"/>
               </p:ext>
             </p:extLst>
           </p:nvPr>
@@ -13797,7 +13797,7 @@
                           <a:cs typeface="Roboto"/>
                           <a:sym typeface="Roboto"/>
                         </a:rPr>
-                        <a:t>HSRP</a:t>
+                        <a:t>SSH</a:t>
                       </a:r>
                       <a:endParaRPr sz="1300" dirty="0">
                         <a:latin typeface="Roboto"/>
@@ -14126,70 +14126,6 @@
           <p:cNvPr id="2" name="Заголовок 1">
             <a:extLst>
               <a:ext uri="{FF2B5EF4-FFF2-40B4-BE49-F238E27FC236}">
-                <a16:creationId xmlns:a16="http://schemas.microsoft.com/office/drawing/2014/main" id="{62AC4228-94A0-48B7-BB14-00DCC6173E9E}"/>
-              </a:ext>
-            </a:extLst>
-          </p:cNvPr>
-          <p:cNvSpPr>
-            <a:spLocks noGrp="1"/>
-          </p:cNvSpPr>
-          <p:nvPr>
-            <p:ph type="title"/>
-          </p:nvPr>
-        </p:nvSpPr>
-        <p:spPr>
-          <a:xfrm>
-            <a:off x="500550" y="1807535"/>
-            <a:ext cx="8520600" cy="3232297"/>
-          </a:xfrm>
-        </p:spPr>
-        <p:txBody>
-          <a:bodyPr/>
-          <a:lstStyle/>
-          <a:p>
-            <a:pPr algn="ctr"/>
-            <a:r>
-              <a:rPr lang="ru-RU" sz="4000" dirty="0"/>
-              <a:t>Реализация технологий</a:t>
-            </a:r>
-          </a:p>
-        </p:txBody>
-      </p:sp>
-    </p:spTree>
-    <p:extLst>
-      <p:ext uri="{BB962C8B-B14F-4D97-AF65-F5344CB8AC3E}">
-        <p14:creationId xmlns:p14="http://schemas.microsoft.com/office/powerpoint/2010/main" val="4215395071"/>
-      </p:ext>
-    </p:extLst>
-  </p:cSld>
-  <p:clrMapOvr>
-    <a:masterClrMapping/>
-  </p:clrMapOvr>
-</p:sld>
-</file>
-
-<file path=ppt/slides/slide6.xml><?xml version="1.0" encoding="utf-8"?>
-<p:sld xmlns:a="http://schemas.openxmlformats.org/drawingml/2006/main" xmlns:r="http://schemas.openxmlformats.org/officeDocument/2006/relationships" xmlns:p="http://schemas.openxmlformats.org/presentationml/2006/main">
-  <p:cSld>
-    <p:spTree>
-      <p:nvGrpSpPr>
-        <p:cNvPr id="1" name=""/>
-        <p:cNvGrpSpPr/>
-        <p:nvPr/>
-      </p:nvGrpSpPr>
-      <p:grpSpPr>
-        <a:xfrm>
-          <a:off x="0" y="0"/>
-          <a:ext cx="0" cy="0"/>
-          <a:chOff x="0" y="0"/>
-          <a:chExt cx="0" cy="0"/>
-        </a:xfrm>
-      </p:grpSpPr>
-      <p:sp>
-        <p:nvSpPr>
-          <p:cNvPr id="2" name="Заголовок 1">
-            <a:extLst>
-              <a:ext uri="{FF2B5EF4-FFF2-40B4-BE49-F238E27FC236}">
                 <a16:creationId xmlns:a16="http://schemas.microsoft.com/office/drawing/2014/main" id="{64FEC100-84B7-4359-B01A-C345786DE058}"/>
               </a:ext>
             </a:extLst>
@@ -14261,7 +14197,7 @@
 </p:sld>
 </file>
 
-<file path=ppt/slides/slide7.xml><?xml version="1.0" encoding="utf-8"?>
+<file path=ppt/slides/slide6.xml><?xml version="1.0" encoding="utf-8"?>
 <p:sld xmlns:a="http://schemas.openxmlformats.org/drawingml/2006/main" xmlns:r="http://schemas.openxmlformats.org/officeDocument/2006/relationships" xmlns:p="http://schemas.openxmlformats.org/presentationml/2006/main">
   <p:cSld>
     <p:spTree>
@@ -14349,10 +14285,115 @@
           </a:prstGeom>
         </p:spPr>
       </p:pic>
+      <p:sp>
+        <p:nvSpPr>
+          <p:cNvPr id="3" name="TextBox 2">
+            <a:extLst>
+              <a:ext uri="{FF2B5EF4-FFF2-40B4-BE49-F238E27FC236}">
+                <a16:creationId xmlns:a16="http://schemas.microsoft.com/office/drawing/2014/main" id="{25F0C021-556D-4DEB-9B16-3DC87F3EE94A}"/>
+              </a:ext>
+            </a:extLst>
+          </p:cNvPr>
+          <p:cNvSpPr txBox="1"/>
+          <p:nvPr/>
+        </p:nvSpPr>
+        <p:spPr>
+          <a:xfrm>
+            <a:off x="5032800" y="1180800"/>
+            <a:ext cx="3166251" cy="523220"/>
+          </a:xfrm>
+          <a:prstGeom prst="rect">
+            <a:avLst/>
+          </a:prstGeom>
+          <a:noFill/>
+        </p:spPr>
+        <p:txBody>
+          <a:bodyPr wrap="none" rtlCol="0">
+            <a:spAutoFit/>
+          </a:bodyPr>
+          <a:lstStyle/>
+          <a:p>
+            <a:r>
+              <a:rPr lang="ru-RU" dirty="0"/>
+              <a:t>Пул для офисной сети: 10.10.0.0/20</a:t>
+            </a:r>
+          </a:p>
+          <a:p>
+            <a:r>
+              <a:rPr lang="ru-RU" dirty="0"/>
+              <a:t>Пул для туннелей: 172.30.0.0/23</a:t>
+            </a:r>
+          </a:p>
+        </p:txBody>
+      </p:sp>
     </p:spTree>
     <p:extLst>
       <p:ext uri="{BB962C8B-B14F-4D97-AF65-F5344CB8AC3E}">
         <p14:creationId xmlns:p14="http://schemas.microsoft.com/office/powerpoint/2010/main" val="3232290608"/>
+      </p:ext>
+    </p:extLst>
+  </p:cSld>
+  <p:clrMapOvr>
+    <a:masterClrMapping/>
+  </p:clrMapOvr>
+</p:sld>
+</file>
+
+<file path=ppt/slides/slide7.xml><?xml version="1.0" encoding="utf-8"?>
+<p:sld xmlns:a="http://schemas.openxmlformats.org/drawingml/2006/main" xmlns:r="http://schemas.openxmlformats.org/officeDocument/2006/relationships" xmlns:p="http://schemas.openxmlformats.org/presentationml/2006/main">
+  <p:cSld>
+    <p:spTree>
+      <p:nvGrpSpPr>
+        <p:cNvPr id="1" name=""/>
+        <p:cNvGrpSpPr/>
+        <p:nvPr/>
+      </p:nvGrpSpPr>
+      <p:grpSpPr>
+        <a:xfrm>
+          <a:off x="0" y="0"/>
+          <a:ext cx="0" cy="0"/>
+          <a:chOff x="0" y="0"/>
+          <a:chExt cx="0" cy="0"/>
+        </a:xfrm>
+      </p:grpSpPr>
+      <p:sp>
+        <p:nvSpPr>
+          <p:cNvPr id="2" name="Заголовок 1">
+            <a:extLst>
+              <a:ext uri="{FF2B5EF4-FFF2-40B4-BE49-F238E27FC236}">
+                <a16:creationId xmlns:a16="http://schemas.microsoft.com/office/drawing/2014/main" id="{62AC4228-94A0-48B7-BB14-00DCC6173E9E}"/>
+              </a:ext>
+            </a:extLst>
+          </p:cNvPr>
+          <p:cNvSpPr>
+            <a:spLocks noGrp="1"/>
+          </p:cNvSpPr>
+          <p:nvPr>
+            <p:ph type="title"/>
+          </p:nvPr>
+        </p:nvSpPr>
+        <p:spPr>
+          <a:xfrm>
+            <a:off x="500550" y="1807535"/>
+            <a:ext cx="8520600" cy="3232297"/>
+          </a:xfrm>
+        </p:spPr>
+        <p:txBody>
+          <a:bodyPr/>
+          <a:lstStyle/>
+          <a:p>
+            <a:pPr algn="ctr"/>
+            <a:r>
+              <a:rPr lang="ru-RU" sz="4000" dirty="0"/>
+              <a:t>Реализация технологий</a:t>
+            </a:r>
+          </a:p>
+        </p:txBody>
+      </p:sp>
+    </p:spTree>
+    <p:extLst>
+      <p:ext uri="{BB962C8B-B14F-4D97-AF65-F5344CB8AC3E}">
+        <p14:creationId xmlns:p14="http://schemas.microsoft.com/office/powerpoint/2010/main" val="4215395071"/>
       </p:ext>
     </p:extLst>
   </p:cSld>
